--- a/Presentation/Stock_Trading_Cabrey.pptx
+++ b/Presentation/Stock_Trading_Cabrey.pptx
@@ -5,15 +5,27 @@
     <p:sldMasterId id="2147483648" r:id="rId4"/>
   </p:sldMasterIdLst>
   <p:notesMasterIdLst>
-    <p:notesMasterId r:id="rId11"/>
+    <p:notesMasterId r:id="rId23"/>
   </p:notesMasterIdLst>
   <p:sldIdLst>
     <p:sldId id="256" r:id="rId5"/>
     <p:sldId id="258" r:id="rId6"/>
-    <p:sldId id="257" r:id="rId7"/>
-    <p:sldId id="259" r:id="rId8"/>
-    <p:sldId id="261" r:id="rId9"/>
-    <p:sldId id="262" r:id="rId10"/>
+    <p:sldId id="272" r:id="rId7"/>
+    <p:sldId id="257" r:id="rId8"/>
+    <p:sldId id="259" r:id="rId9"/>
+    <p:sldId id="261" r:id="rId10"/>
+    <p:sldId id="262" r:id="rId11"/>
+    <p:sldId id="263" r:id="rId12"/>
+    <p:sldId id="264" r:id="rId13"/>
+    <p:sldId id="265" r:id="rId14"/>
+    <p:sldId id="266" r:id="rId15"/>
+    <p:sldId id="267" r:id="rId16"/>
+    <p:sldId id="268" r:id="rId17"/>
+    <p:sldId id="269" r:id="rId18"/>
+    <p:sldId id="270" r:id="rId19"/>
+    <p:sldId id="274" r:id="rId20"/>
+    <p:sldId id="273" r:id="rId21"/>
+    <p:sldId id="271" r:id="rId22"/>
   </p:sldIdLst>
   <p:sldSz cx="12192000" cy="6858000"/>
   <p:notesSz cx="6858000" cy="9144000"/>
@@ -12959,6 +12971,1931 @@
 </p:sld>
 </file>
 
+<file path=ppt/slides/slide10.xml><?xml version="1.0" encoding="utf-8"?>
+<p:sld xmlns:a="http://schemas.openxmlformats.org/drawingml/2006/main" xmlns:r="http://schemas.openxmlformats.org/officeDocument/2006/relationships" xmlns:p="http://schemas.openxmlformats.org/presentationml/2006/main">
+  <p:cSld>
+    <p:spTree>
+      <p:nvGrpSpPr>
+        <p:cNvPr id="1" name=""/>
+        <p:cNvGrpSpPr/>
+        <p:nvPr/>
+      </p:nvGrpSpPr>
+      <p:grpSpPr>
+        <a:xfrm>
+          <a:off x="0" y="0"/>
+          <a:ext cx="0" cy="0"/>
+          <a:chOff x="0" y="0"/>
+          <a:chExt cx="0" cy="0"/>
+        </a:xfrm>
+      </p:grpSpPr>
+      <p:sp>
+        <p:nvSpPr>
+          <p:cNvPr id="2" name="Title 1">
+            <a:extLst>
+              <a:ext uri="{FF2B5EF4-FFF2-40B4-BE49-F238E27FC236}">
+                <a16:creationId xmlns:a16="http://schemas.microsoft.com/office/drawing/2014/main" id="{762114E3-D3F8-231D-10E2-CFDD07B31636}"/>
+              </a:ext>
+            </a:extLst>
+          </p:cNvPr>
+          <p:cNvSpPr>
+            <a:spLocks noGrp="1"/>
+          </p:cNvSpPr>
+          <p:nvPr>
+            <p:ph type="title"/>
+          </p:nvPr>
+        </p:nvSpPr>
+        <p:spPr/>
+        <p:txBody>
+          <a:bodyPr/>
+          <a:lstStyle/>
+          <a:p>
+            <a:r>
+              <a:rPr lang="en-US" dirty="0"/>
+              <a:t>Plots</a:t>
+            </a:r>
+          </a:p>
+        </p:txBody>
+      </p:sp>
+      <p:sp>
+        <p:nvSpPr>
+          <p:cNvPr id="4" name="Date Placeholder 3">
+            <a:extLst>
+              <a:ext uri="{FF2B5EF4-FFF2-40B4-BE49-F238E27FC236}">
+                <a16:creationId xmlns:a16="http://schemas.microsoft.com/office/drawing/2014/main" id="{2FBD2DD6-0B7E-3F9C-4530-876C7D443BC8}"/>
+              </a:ext>
+            </a:extLst>
+          </p:cNvPr>
+          <p:cNvSpPr>
+            <a:spLocks noGrp="1"/>
+          </p:cNvSpPr>
+          <p:nvPr>
+            <p:ph type="dt" sz="half" idx="2"/>
+          </p:nvPr>
+        </p:nvSpPr>
+        <p:spPr/>
+        <p:txBody>
+          <a:bodyPr/>
+          <a:lstStyle/>
+          <a:p>
+            <a:fld id="{7E7AB22C-8B7E-9B4A-8C65-396C3C874D86}" type="datetime1">
+              <a:rPr lang="en-US" smtClean="0"/>
+              <a:pPr/>
+              <a:t>12/7/2022</a:t>
+            </a:fld>
+            <a:endParaRPr lang="en-US" dirty="0"/>
+          </a:p>
+        </p:txBody>
+      </p:sp>
+      <p:sp>
+        <p:nvSpPr>
+          <p:cNvPr id="6" name="Slide Number Placeholder 5">
+            <a:extLst>
+              <a:ext uri="{FF2B5EF4-FFF2-40B4-BE49-F238E27FC236}">
+                <a16:creationId xmlns:a16="http://schemas.microsoft.com/office/drawing/2014/main" id="{0FCEFD4C-7C73-7CA5-03FB-62B3E1441137}"/>
+              </a:ext>
+            </a:extLst>
+          </p:cNvPr>
+          <p:cNvSpPr>
+            <a:spLocks noGrp="1"/>
+          </p:cNvSpPr>
+          <p:nvPr>
+            <p:ph type="sldNum" sz="quarter" idx="4"/>
+          </p:nvPr>
+        </p:nvSpPr>
+        <p:spPr/>
+        <p:txBody>
+          <a:bodyPr/>
+          <a:lstStyle/>
+          <a:p>
+            <a:fld id="{294A09A9-5501-47C1-A89A-A340965A2BE2}" type="slidenum">
+              <a:rPr lang="en-US" smtClean="0"/>
+              <a:pPr/>
+              <a:t>10</a:t>
+            </a:fld>
+            <a:endParaRPr lang="en-US" dirty="0"/>
+          </a:p>
+        </p:txBody>
+      </p:sp>
+      <p:pic>
+        <p:nvPicPr>
+          <p:cNvPr id="20" name="Content Placeholder 19" descr="A picture containing chart&#10;&#10;Description automatically generated">
+            <a:extLst>
+              <a:ext uri="{FF2B5EF4-FFF2-40B4-BE49-F238E27FC236}">
+                <a16:creationId xmlns:a16="http://schemas.microsoft.com/office/drawing/2014/main" id="{86B6AA66-2F2F-7184-B116-CC6C23EE0B9B}"/>
+              </a:ext>
+            </a:extLst>
+          </p:cNvPr>
+          <p:cNvPicPr>
+            <a:picLocks noGrp="1" noChangeAspect="1"/>
+          </p:cNvPicPr>
+          <p:nvPr>
+            <p:ph idx="1"/>
+          </p:nvPr>
+        </p:nvPicPr>
+        <p:blipFill>
+          <a:blip r:embed="rId2"/>
+          <a:stretch>
+            <a:fillRect/>
+          </a:stretch>
+        </p:blipFill>
+        <p:spPr>
+          <a:xfrm>
+            <a:off x="2470507" y="1706563"/>
+            <a:ext cx="7250985" cy="4531518"/>
+          </a:xfrm>
+        </p:spPr>
+      </p:pic>
+    </p:spTree>
+    <p:extLst>
+      <p:ext uri="{BB962C8B-B14F-4D97-AF65-F5344CB8AC3E}">
+        <p14:creationId xmlns:p14="http://schemas.microsoft.com/office/powerpoint/2010/main" val="2584020348"/>
+      </p:ext>
+    </p:extLst>
+  </p:cSld>
+  <p:clrMapOvr>
+    <a:masterClrMapping/>
+  </p:clrMapOvr>
+</p:sld>
+</file>
+
+<file path=ppt/slides/slide11.xml><?xml version="1.0" encoding="utf-8"?>
+<p:sld xmlns:a="http://schemas.openxmlformats.org/drawingml/2006/main" xmlns:r="http://schemas.openxmlformats.org/officeDocument/2006/relationships" xmlns:p="http://schemas.openxmlformats.org/presentationml/2006/main">
+  <p:cSld>
+    <p:spTree>
+      <p:nvGrpSpPr>
+        <p:cNvPr id="1" name=""/>
+        <p:cNvGrpSpPr/>
+        <p:nvPr/>
+      </p:nvGrpSpPr>
+      <p:grpSpPr>
+        <a:xfrm>
+          <a:off x="0" y="0"/>
+          <a:ext cx="0" cy="0"/>
+          <a:chOff x="0" y="0"/>
+          <a:chExt cx="0" cy="0"/>
+        </a:xfrm>
+      </p:grpSpPr>
+      <p:sp>
+        <p:nvSpPr>
+          <p:cNvPr id="2" name="Title 1">
+            <a:extLst>
+              <a:ext uri="{FF2B5EF4-FFF2-40B4-BE49-F238E27FC236}">
+                <a16:creationId xmlns:a16="http://schemas.microsoft.com/office/drawing/2014/main" id="{1A4A96EA-E3A6-84E8-D57E-951016262AF5}"/>
+              </a:ext>
+            </a:extLst>
+          </p:cNvPr>
+          <p:cNvSpPr>
+            <a:spLocks noGrp="1"/>
+          </p:cNvSpPr>
+          <p:nvPr>
+            <p:ph type="title"/>
+          </p:nvPr>
+        </p:nvSpPr>
+        <p:spPr/>
+        <p:txBody>
+          <a:bodyPr/>
+          <a:lstStyle/>
+          <a:p>
+            <a:r>
+              <a:rPr lang="en-US" dirty="0"/>
+              <a:t>Plots</a:t>
+            </a:r>
+          </a:p>
+        </p:txBody>
+      </p:sp>
+      <p:sp>
+        <p:nvSpPr>
+          <p:cNvPr id="4" name="Date Placeholder 3">
+            <a:extLst>
+              <a:ext uri="{FF2B5EF4-FFF2-40B4-BE49-F238E27FC236}">
+                <a16:creationId xmlns:a16="http://schemas.microsoft.com/office/drawing/2014/main" id="{581222D4-CD0F-1962-A4F5-8DD47D45430E}"/>
+              </a:ext>
+            </a:extLst>
+          </p:cNvPr>
+          <p:cNvSpPr>
+            <a:spLocks noGrp="1"/>
+          </p:cNvSpPr>
+          <p:nvPr>
+            <p:ph type="dt" sz="half" idx="2"/>
+          </p:nvPr>
+        </p:nvSpPr>
+        <p:spPr/>
+        <p:txBody>
+          <a:bodyPr/>
+          <a:lstStyle/>
+          <a:p>
+            <a:fld id="{7E7AB22C-8B7E-9B4A-8C65-396C3C874D86}" type="datetime1">
+              <a:rPr lang="en-US" smtClean="0"/>
+              <a:pPr/>
+              <a:t>12/7/2022</a:t>
+            </a:fld>
+            <a:endParaRPr lang="en-US" dirty="0"/>
+          </a:p>
+        </p:txBody>
+      </p:sp>
+      <p:sp>
+        <p:nvSpPr>
+          <p:cNvPr id="6" name="Slide Number Placeholder 5">
+            <a:extLst>
+              <a:ext uri="{FF2B5EF4-FFF2-40B4-BE49-F238E27FC236}">
+                <a16:creationId xmlns:a16="http://schemas.microsoft.com/office/drawing/2014/main" id="{27E2EB21-9BE0-E9C5-CFCB-E25FB45B08E4}"/>
+              </a:ext>
+            </a:extLst>
+          </p:cNvPr>
+          <p:cNvSpPr>
+            <a:spLocks noGrp="1"/>
+          </p:cNvSpPr>
+          <p:nvPr>
+            <p:ph type="sldNum" sz="quarter" idx="4"/>
+          </p:nvPr>
+        </p:nvSpPr>
+        <p:spPr/>
+        <p:txBody>
+          <a:bodyPr/>
+          <a:lstStyle/>
+          <a:p>
+            <a:fld id="{294A09A9-5501-47C1-A89A-A340965A2BE2}" type="slidenum">
+              <a:rPr lang="en-US" smtClean="0"/>
+              <a:pPr/>
+              <a:t>11</a:t>
+            </a:fld>
+            <a:endParaRPr lang="en-US" dirty="0"/>
+          </a:p>
+        </p:txBody>
+      </p:sp>
+      <p:pic>
+        <p:nvPicPr>
+          <p:cNvPr id="8" name="Picture 7" descr="Chart, bar chart, histogram&#10;&#10;Description automatically generated">
+            <a:extLst>
+              <a:ext uri="{FF2B5EF4-FFF2-40B4-BE49-F238E27FC236}">
+                <a16:creationId xmlns:a16="http://schemas.microsoft.com/office/drawing/2014/main" id="{9FA817BE-C4DB-FE3D-A264-1A7E15D509BA}"/>
+              </a:ext>
+            </a:extLst>
+          </p:cNvPr>
+          <p:cNvPicPr>
+            <a:picLocks noChangeAspect="1"/>
+          </p:cNvPicPr>
+          <p:nvPr/>
+        </p:nvPicPr>
+        <p:blipFill>
+          <a:blip r:embed="rId2"/>
+          <a:stretch>
+            <a:fillRect/>
+          </a:stretch>
+        </p:blipFill>
+        <p:spPr>
+          <a:xfrm>
+            <a:off x="2635404" y="1868749"/>
+            <a:ext cx="6921192" cy="4325414"/>
+          </a:xfrm>
+          <a:prstGeom prst="rect">
+            <a:avLst/>
+          </a:prstGeom>
+        </p:spPr>
+      </p:pic>
+    </p:spTree>
+    <p:extLst>
+      <p:ext uri="{BB962C8B-B14F-4D97-AF65-F5344CB8AC3E}">
+        <p14:creationId xmlns:p14="http://schemas.microsoft.com/office/powerpoint/2010/main" val="512198188"/>
+      </p:ext>
+    </p:extLst>
+  </p:cSld>
+  <p:clrMapOvr>
+    <a:masterClrMapping/>
+  </p:clrMapOvr>
+</p:sld>
+</file>
+
+<file path=ppt/slides/slide12.xml><?xml version="1.0" encoding="utf-8"?>
+<p:sld xmlns:a="http://schemas.openxmlformats.org/drawingml/2006/main" xmlns:r="http://schemas.openxmlformats.org/officeDocument/2006/relationships" xmlns:p="http://schemas.openxmlformats.org/presentationml/2006/main">
+  <p:cSld>
+    <p:spTree>
+      <p:nvGrpSpPr>
+        <p:cNvPr id="1" name=""/>
+        <p:cNvGrpSpPr/>
+        <p:nvPr/>
+      </p:nvGrpSpPr>
+      <p:grpSpPr>
+        <a:xfrm>
+          <a:off x="0" y="0"/>
+          <a:ext cx="0" cy="0"/>
+          <a:chOff x="0" y="0"/>
+          <a:chExt cx="0" cy="0"/>
+        </a:xfrm>
+      </p:grpSpPr>
+      <p:sp>
+        <p:nvSpPr>
+          <p:cNvPr id="2" name="Title 1">
+            <a:extLst>
+              <a:ext uri="{FF2B5EF4-FFF2-40B4-BE49-F238E27FC236}">
+                <a16:creationId xmlns:a16="http://schemas.microsoft.com/office/drawing/2014/main" id="{40A98E2E-FE57-00C3-89A6-C02CF30DA907}"/>
+              </a:ext>
+            </a:extLst>
+          </p:cNvPr>
+          <p:cNvSpPr>
+            <a:spLocks noGrp="1"/>
+          </p:cNvSpPr>
+          <p:nvPr>
+            <p:ph type="title"/>
+          </p:nvPr>
+        </p:nvSpPr>
+        <p:spPr/>
+        <p:txBody>
+          <a:bodyPr/>
+          <a:lstStyle/>
+          <a:p>
+            <a:r>
+              <a:rPr lang="en-US" dirty="0"/>
+              <a:t>Plots</a:t>
+            </a:r>
+          </a:p>
+        </p:txBody>
+      </p:sp>
+      <p:pic>
+        <p:nvPicPr>
+          <p:cNvPr id="8" name="Content Placeholder 7" descr="Bar chart&#10;&#10;Description automatically generated with low confidence">
+            <a:extLst>
+              <a:ext uri="{FF2B5EF4-FFF2-40B4-BE49-F238E27FC236}">
+                <a16:creationId xmlns:a16="http://schemas.microsoft.com/office/drawing/2014/main" id="{98E4AC44-6E86-E081-0BBC-0DE0901DD186}"/>
+              </a:ext>
+            </a:extLst>
+          </p:cNvPr>
+          <p:cNvPicPr>
+            <a:picLocks noGrp="1" noChangeAspect="1"/>
+          </p:cNvPicPr>
+          <p:nvPr>
+            <p:ph idx="1"/>
+          </p:nvPr>
+        </p:nvPicPr>
+        <p:blipFill>
+          <a:blip r:embed="rId2"/>
+          <a:stretch>
+            <a:fillRect/>
+          </a:stretch>
+        </p:blipFill>
+        <p:spPr>
+          <a:xfrm>
+            <a:off x="2759261" y="1970474"/>
+            <a:ext cx="6595644" cy="4121964"/>
+          </a:xfrm>
+        </p:spPr>
+      </p:pic>
+      <p:sp>
+        <p:nvSpPr>
+          <p:cNvPr id="4" name="Date Placeholder 3">
+            <a:extLst>
+              <a:ext uri="{FF2B5EF4-FFF2-40B4-BE49-F238E27FC236}">
+                <a16:creationId xmlns:a16="http://schemas.microsoft.com/office/drawing/2014/main" id="{A667FB59-8EF7-9F41-96F3-D7869A18CA80}"/>
+              </a:ext>
+            </a:extLst>
+          </p:cNvPr>
+          <p:cNvSpPr>
+            <a:spLocks noGrp="1"/>
+          </p:cNvSpPr>
+          <p:nvPr>
+            <p:ph type="dt" sz="half" idx="2"/>
+          </p:nvPr>
+        </p:nvSpPr>
+        <p:spPr/>
+        <p:txBody>
+          <a:bodyPr/>
+          <a:lstStyle/>
+          <a:p>
+            <a:fld id="{7E7AB22C-8B7E-9B4A-8C65-396C3C874D86}" type="datetime1">
+              <a:rPr lang="en-US" smtClean="0"/>
+              <a:pPr/>
+              <a:t>12/7/2022</a:t>
+            </a:fld>
+            <a:endParaRPr lang="en-US" dirty="0"/>
+          </a:p>
+        </p:txBody>
+      </p:sp>
+      <p:sp>
+        <p:nvSpPr>
+          <p:cNvPr id="6" name="Slide Number Placeholder 5">
+            <a:extLst>
+              <a:ext uri="{FF2B5EF4-FFF2-40B4-BE49-F238E27FC236}">
+                <a16:creationId xmlns:a16="http://schemas.microsoft.com/office/drawing/2014/main" id="{E4E8A105-2644-1F7D-FA2F-D2162C8C4942}"/>
+              </a:ext>
+            </a:extLst>
+          </p:cNvPr>
+          <p:cNvSpPr>
+            <a:spLocks noGrp="1"/>
+          </p:cNvSpPr>
+          <p:nvPr>
+            <p:ph type="sldNum" sz="quarter" idx="4"/>
+          </p:nvPr>
+        </p:nvSpPr>
+        <p:spPr/>
+        <p:txBody>
+          <a:bodyPr/>
+          <a:lstStyle/>
+          <a:p>
+            <a:fld id="{294A09A9-5501-47C1-A89A-A340965A2BE2}" type="slidenum">
+              <a:rPr lang="en-US" smtClean="0"/>
+              <a:pPr/>
+              <a:t>12</a:t>
+            </a:fld>
+            <a:endParaRPr lang="en-US" dirty="0"/>
+          </a:p>
+        </p:txBody>
+      </p:sp>
+    </p:spTree>
+    <p:extLst>
+      <p:ext uri="{BB962C8B-B14F-4D97-AF65-F5344CB8AC3E}">
+        <p14:creationId xmlns:p14="http://schemas.microsoft.com/office/powerpoint/2010/main" val="2275184596"/>
+      </p:ext>
+    </p:extLst>
+  </p:cSld>
+  <p:clrMapOvr>
+    <a:masterClrMapping/>
+  </p:clrMapOvr>
+</p:sld>
+</file>
+
+<file path=ppt/slides/slide13.xml><?xml version="1.0" encoding="utf-8"?>
+<p:sld xmlns:a="http://schemas.openxmlformats.org/drawingml/2006/main" xmlns:r="http://schemas.openxmlformats.org/officeDocument/2006/relationships" xmlns:p="http://schemas.openxmlformats.org/presentationml/2006/main">
+  <p:cSld>
+    <p:spTree>
+      <p:nvGrpSpPr>
+        <p:cNvPr id="1" name=""/>
+        <p:cNvGrpSpPr/>
+        <p:nvPr/>
+      </p:nvGrpSpPr>
+      <p:grpSpPr>
+        <a:xfrm>
+          <a:off x="0" y="0"/>
+          <a:ext cx="0" cy="0"/>
+          <a:chOff x="0" y="0"/>
+          <a:chExt cx="0" cy="0"/>
+        </a:xfrm>
+      </p:grpSpPr>
+      <p:sp>
+        <p:nvSpPr>
+          <p:cNvPr id="2" name="Title 1">
+            <a:extLst>
+              <a:ext uri="{FF2B5EF4-FFF2-40B4-BE49-F238E27FC236}">
+                <a16:creationId xmlns:a16="http://schemas.microsoft.com/office/drawing/2014/main" id="{D243E029-5E5D-6601-A6ED-5C46B36146ED}"/>
+              </a:ext>
+            </a:extLst>
+          </p:cNvPr>
+          <p:cNvSpPr>
+            <a:spLocks noGrp="1"/>
+          </p:cNvSpPr>
+          <p:nvPr>
+            <p:ph type="title"/>
+          </p:nvPr>
+        </p:nvSpPr>
+        <p:spPr/>
+        <p:txBody>
+          <a:bodyPr/>
+          <a:lstStyle/>
+          <a:p>
+            <a:r>
+              <a:rPr lang="en-US" dirty="0"/>
+              <a:t>Plots</a:t>
+            </a:r>
+          </a:p>
+        </p:txBody>
+      </p:sp>
+      <p:pic>
+        <p:nvPicPr>
+          <p:cNvPr id="8" name="Content Placeholder 7" descr="Chart, bar chart&#10;&#10;Description automatically generated">
+            <a:extLst>
+              <a:ext uri="{FF2B5EF4-FFF2-40B4-BE49-F238E27FC236}">
+                <a16:creationId xmlns:a16="http://schemas.microsoft.com/office/drawing/2014/main" id="{85E2355D-36EF-7A7A-38EB-E34B651F65E8}"/>
+              </a:ext>
+            </a:extLst>
+          </p:cNvPr>
+          <p:cNvPicPr>
+            <a:picLocks noGrp="1" noChangeAspect="1"/>
+          </p:cNvPicPr>
+          <p:nvPr>
+            <p:ph idx="1"/>
+          </p:nvPr>
+        </p:nvPicPr>
+        <p:blipFill>
+          <a:blip r:embed="rId2"/>
+          <a:stretch>
+            <a:fillRect/>
+          </a:stretch>
+        </p:blipFill>
+        <p:spPr>
+          <a:xfrm>
+            <a:off x="2490664" y="1919583"/>
+            <a:ext cx="7132838" cy="4457682"/>
+          </a:xfrm>
+        </p:spPr>
+      </p:pic>
+      <p:sp>
+        <p:nvSpPr>
+          <p:cNvPr id="4" name="Date Placeholder 3">
+            <a:extLst>
+              <a:ext uri="{FF2B5EF4-FFF2-40B4-BE49-F238E27FC236}">
+                <a16:creationId xmlns:a16="http://schemas.microsoft.com/office/drawing/2014/main" id="{934DC43A-9922-0087-8B30-411965917D60}"/>
+              </a:ext>
+            </a:extLst>
+          </p:cNvPr>
+          <p:cNvSpPr>
+            <a:spLocks noGrp="1"/>
+          </p:cNvSpPr>
+          <p:nvPr>
+            <p:ph type="dt" sz="half" idx="2"/>
+          </p:nvPr>
+        </p:nvSpPr>
+        <p:spPr/>
+        <p:txBody>
+          <a:bodyPr/>
+          <a:lstStyle/>
+          <a:p>
+            <a:fld id="{7E7AB22C-8B7E-9B4A-8C65-396C3C874D86}" type="datetime1">
+              <a:rPr lang="en-US" smtClean="0"/>
+              <a:pPr/>
+              <a:t>12/7/2022</a:t>
+            </a:fld>
+            <a:endParaRPr lang="en-US" dirty="0"/>
+          </a:p>
+        </p:txBody>
+      </p:sp>
+      <p:sp>
+        <p:nvSpPr>
+          <p:cNvPr id="6" name="Slide Number Placeholder 5">
+            <a:extLst>
+              <a:ext uri="{FF2B5EF4-FFF2-40B4-BE49-F238E27FC236}">
+                <a16:creationId xmlns:a16="http://schemas.microsoft.com/office/drawing/2014/main" id="{77758C26-FBB7-7C8E-AE9A-B7B360989FB7}"/>
+              </a:ext>
+            </a:extLst>
+          </p:cNvPr>
+          <p:cNvSpPr>
+            <a:spLocks noGrp="1"/>
+          </p:cNvSpPr>
+          <p:nvPr>
+            <p:ph type="sldNum" sz="quarter" idx="4"/>
+          </p:nvPr>
+        </p:nvSpPr>
+        <p:spPr/>
+        <p:txBody>
+          <a:bodyPr/>
+          <a:lstStyle/>
+          <a:p>
+            <a:fld id="{294A09A9-5501-47C1-A89A-A340965A2BE2}" type="slidenum">
+              <a:rPr lang="en-US" smtClean="0"/>
+              <a:pPr/>
+              <a:t>13</a:t>
+            </a:fld>
+            <a:endParaRPr lang="en-US" dirty="0"/>
+          </a:p>
+        </p:txBody>
+      </p:sp>
+    </p:spTree>
+    <p:extLst>
+      <p:ext uri="{BB962C8B-B14F-4D97-AF65-F5344CB8AC3E}">
+        <p14:creationId xmlns:p14="http://schemas.microsoft.com/office/powerpoint/2010/main" val="2887664195"/>
+      </p:ext>
+    </p:extLst>
+  </p:cSld>
+  <p:clrMapOvr>
+    <a:masterClrMapping/>
+  </p:clrMapOvr>
+</p:sld>
+</file>
+
+<file path=ppt/slides/slide14.xml><?xml version="1.0" encoding="utf-8"?>
+<p:sld xmlns:a="http://schemas.openxmlformats.org/drawingml/2006/main" xmlns:r="http://schemas.openxmlformats.org/officeDocument/2006/relationships" xmlns:p="http://schemas.openxmlformats.org/presentationml/2006/main">
+  <p:cSld>
+    <p:spTree>
+      <p:nvGrpSpPr>
+        <p:cNvPr id="1" name=""/>
+        <p:cNvGrpSpPr/>
+        <p:nvPr/>
+      </p:nvGrpSpPr>
+      <p:grpSpPr>
+        <a:xfrm>
+          <a:off x="0" y="0"/>
+          <a:ext cx="0" cy="0"/>
+          <a:chOff x="0" y="0"/>
+          <a:chExt cx="0" cy="0"/>
+        </a:xfrm>
+      </p:grpSpPr>
+      <p:sp>
+        <p:nvSpPr>
+          <p:cNvPr id="2" name="Title 1">
+            <a:extLst>
+              <a:ext uri="{FF2B5EF4-FFF2-40B4-BE49-F238E27FC236}">
+                <a16:creationId xmlns:a16="http://schemas.microsoft.com/office/drawing/2014/main" id="{FF35A22D-AA8D-D91D-8A7E-32089A69CE59}"/>
+              </a:ext>
+            </a:extLst>
+          </p:cNvPr>
+          <p:cNvSpPr>
+            <a:spLocks noGrp="1"/>
+          </p:cNvSpPr>
+          <p:nvPr>
+            <p:ph type="title"/>
+          </p:nvPr>
+        </p:nvSpPr>
+        <p:spPr/>
+        <p:txBody>
+          <a:bodyPr/>
+          <a:lstStyle/>
+          <a:p>
+            <a:r>
+              <a:rPr lang="en-US" dirty="0"/>
+              <a:t>Plots</a:t>
+            </a:r>
+          </a:p>
+        </p:txBody>
+      </p:sp>
+      <p:sp>
+        <p:nvSpPr>
+          <p:cNvPr id="4" name="Date Placeholder 3">
+            <a:extLst>
+              <a:ext uri="{FF2B5EF4-FFF2-40B4-BE49-F238E27FC236}">
+                <a16:creationId xmlns:a16="http://schemas.microsoft.com/office/drawing/2014/main" id="{7824E6D6-7EE8-23B5-4785-D6CFA70A9F29}"/>
+              </a:ext>
+            </a:extLst>
+          </p:cNvPr>
+          <p:cNvSpPr>
+            <a:spLocks noGrp="1"/>
+          </p:cNvSpPr>
+          <p:nvPr>
+            <p:ph type="dt" sz="half" idx="2"/>
+          </p:nvPr>
+        </p:nvSpPr>
+        <p:spPr/>
+        <p:txBody>
+          <a:bodyPr/>
+          <a:lstStyle/>
+          <a:p>
+            <a:fld id="{7E7AB22C-8B7E-9B4A-8C65-396C3C874D86}" type="datetime1">
+              <a:rPr lang="en-US" smtClean="0"/>
+              <a:pPr/>
+              <a:t>12/7/2022</a:t>
+            </a:fld>
+            <a:endParaRPr lang="en-US" dirty="0"/>
+          </a:p>
+        </p:txBody>
+      </p:sp>
+      <p:sp>
+        <p:nvSpPr>
+          <p:cNvPr id="5" name="Footer Placeholder 4">
+            <a:extLst>
+              <a:ext uri="{FF2B5EF4-FFF2-40B4-BE49-F238E27FC236}">
+                <a16:creationId xmlns:a16="http://schemas.microsoft.com/office/drawing/2014/main" id="{B4C76AE5-7326-4DBE-523B-5535833F6A5E}"/>
+              </a:ext>
+            </a:extLst>
+          </p:cNvPr>
+          <p:cNvSpPr>
+            <a:spLocks noGrp="1"/>
+          </p:cNvSpPr>
+          <p:nvPr>
+            <p:ph type="ftr" sz="quarter" idx="3"/>
+          </p:nvPr>
+        </p:nvSpPr>
+        <p:spPr/>
+        <p:txBody>
+          <a:bodyPr/>
+          <a:lstStyle/>
+          <a:p>
+            <a:r>
+              <a:rPr lang="en-US"/>
+              <a:t>PRESENTATION TITLE</a:t>
+            </a:r>
+            <a:endParaRPr lang="en-US" dirty="0"/>
+          </a:p>
+        </p:txBody>
+      </p:sp>
+      <p:sp>
+        <p:nvSpPr>
+          <p:cNvPr id="6" name="Slide Number Placeholder 5">
+            <a:extLst>
+              <a:ext uri="{FF2B5EF4-FFF2-40B4-BE49-F238E27FC236}">
+                <a16:creationId xmlns:a16="http://schemas.microsoft.com/office/drawing/2014/main" id="{5D030F9C-A95C-0405-06C1-0C0B8DC1899D}"/>
+              </a:ext>
+            </a:extLst>
+          </p:cNvPr>
+          <p:cNvSpPr>
+            <a:spLocks noGrp="1"/>
+          </p:cNvSpPr>
+          <p:nvPr>
+            <p:ph type="sldNum" sz="quarter" idx="4"/>
+          </p:nvPr>
+        </p:nvSpPr>
+        <p:spPr/>
+        <p:txBody>
+          <a:bodyPr/>
+          <a:lstStyle/>
+          <a:p>
+            <a:fld id="{294A09A9-5501-47C1-A89A-A340965A2BE2}" type="slidenum">
+              <a:rPr lang="en-US" smtClean="0"/>
+              <a:pPr/>
+              <a:t>14</a:t>
+            </a:fld>
+            <a:endParaRPr lang="en-US" dirty="0"/>
+          </a:p>
+        </p:txBody>
+      </p:sp>
+      <p:pic>
+        <p:nvPicPr>
+          <p:cNvPr id="8" name="Picture 7" descr="HR7301 Emergency Housing Protections and Relief Act&#10;">
+            <a:extLst>
+              <a:ext uri="{FF2B5EF4-FFF2-40B4-BE49-F238E27FC236}">
+                <a16:creationId xmlns:a16="http://schemas.microsoft.com/office/drawing/2014/main" id="{14D25420-D8A1-DF98-192A-70D95AB36C47}"/>
+              </a:ext>
+            </a:extLst>
+          </p:cNvPr>
+          <p:cNvPicPr>
+            <a:picLocks noChangeAspect="1"/>
+          </p:cNvPicPr>
+          <p:nvPr/>
+        </p:nvPicPr>
+        <p:blipFill>
+          <a:blip r:embed="rId2"/>
+          <a:stretch>
+            <a:fillRect/>
+          </a:stretch>
+        </p:blipFill>
+        <p:spPr>
+          <a:xfrm>
+            <a:off x="406638" y="2149515"/>
+            <a:ext cx="5200948" cy="3250346"/>
+          </a:xfrm>
+          <a:prstGeom prst="rect">
+            <a:avLst/>
+          </a:prstGeom>
+        </p:spPr>
+      </p:pic>
+      <p:pic>
+        <p:nvPicPr>
+          <p:cNvPr id="10" name="Picture 9" descr="Chart, bar chart&#10;&#10;Description automatically generated">
+            <a:extLst>
+              <a:ext uri="{FF2B5EF4-FFF2-40B4-BE49-F238E27FC236}">
+                <a16:creationId xmlns:a16="http://schemas.microsoft.com/office/drawing/2014/main" id="{651B9FB9-FED8-FAAC-EA87-9EA2425AB3F3}"/>
+              </a:ext>
+            </a:extLst>
+          </p:cNvPr>
+          <p:cNvPicPr>
+            <a:picLocks noChangeAspect="1"/>
+          </p:cNvPicPr>
+          <p:nvPr/>
+        </p:nvPicPr>
+        <p:blipFill>
+          <a:blip r:embed="rId3"/>
+          <a:stretch>
+            <a:fillRect/>
+          </a:stretch>
+        </p:blipFill>
+        <p:spPr>
+          <a:xfrm>
+            <a:off x="6454044" y="2149515"/>
+            <a:ext cx="5212818" cy="3257762"/>
+          </a:xfrm>
+          <a:prstGeom prst="rect">
+            <a:avLst/>
+          </a:prstGeom>
+        </p:spPr>
+      </p:pic>
+      <p:sp>
+        <p:nvSpPr>
+          <p:cNvPr id="11" name="TextBox 10">
+            <a:extLst>
+              <a:ext uri="{FF2B5EF4-FFF2-40B4-BE49-F238E27FC236}">
+                <a16:creationId xmlns:a16="http://schemas.microsoft.com/office/drawing/2014/main" id="{CD507501-7688-ED48-52F8-47D5D6C39A00}"/>
+              </a:ext>
+            </a:extLst>
+          </p:cNvPr>
+          <p:cNvSpPr txBox="1"/>
+          <p:nvPr/>
+        </p:nvSpPr>
+        <p:spPr>
+          <a:xfrm>
+            <a:off x="1514326" y="5629619"/>
+            <a:ext cx="2985572" cy="646331"/>
+          </a:xfrm>
+          <a:prstGeom prst="rect">
+            <a:avLst/>
+          </a:prstGeom>
+          <a:noFill/>
+        </p:spPr>
+        <p:txBody>
+          <a:bodyPr wrap="square" rtlCol="0">
+            <a:spAutoFit/>
+          </a:bodyPr>
+          <a:lstStyle/>
+          <a:p>
+            <a:r>
+              <a:rPr lang="en-US" dirty="0"/>
+              <a:t>Emergency Housing Protections and Relief Act </a:t>
+            </a:r>
+          </a:p>
+        </p:txBody>
+      </p:sp>
+      <p:sp>
+        <p:nvSpPr>
+          <p:cNvPr id="12" name="TextBox 11">
+            <a:extLst>
+              <a:ext uri="{FF2B5EF4-FFF2-40B4-BE49-F238E27FC236}">
+                <a16:creationId xmlns:a16="http://schemas.microsoft.com/office/drawing/2014/main" id="{D2678019-A981-FAE7-5F85-31EF68F63398}"/>
+              </a:ext>
+            </a:extLst>
+          </p:cNvPr>
+          <p:cNvSpPr txBox="1"/>
+          <p:nvPr/>
+        </p:nvSpPr>
+        <p:spPr>
+          <a:xfrm>
+            <a:off x="7732921" y="5580847"/>
+            <a:ext cx="2655065" cy="369332"/>
+          </a:xfrm>
+          <a:prstGeom prst="rect">
+            <a:avLst/>
+          </a:prstGeom>
+          <a:noFill/>
+        </p:spPr>
+        <p:txBody>
+          <a:bodyPr wrap="square" rtlCol="0">
+            <a:spAutoFit/>
+          </a:bodyPr>
+          <a:lstStyle/>
+          <a:p>
+            <a:r>
+              <a:rPr lang="en-US" dirty="0"/>
+              <a:t>Build Back Better Act</a:t>
+            </a:r>
+          </a:p>
+        </p:txBody>
+      </p:sp>
+    </p:spTree>
+    <p:extLst>
+      <p:ext uri="{BB962C8B-B14F-4D97-AF65-F5344CB8AC3E}">
+        <p14:creationId xmlns:p14="http://schemas.microsoft.com/office/powerpoint/2010/main" val="1533137317"/>
+      </p:ext>
+    </p:extLst>
+  </p:cSld>
+  <p:clrMapOvr>
+    <a:masterClrMapping/>
+  </p:clrMapOvr>
+</p:sld>
+</file>
+
+<file path=ppt/slides/slide15.xml><?xml version="1.0" encoding="utf-8"?>
+<p:sld xmlns:a="http://schemas.openxmlformats.org/drawingml/2006/main" xmlns:r="http://schemas.openxmlformats.org/officeDocument/2006/relationships" xmlns:p="http://schemas.openxmlformats.org/presentationml/2006/main">
+  <p:cSld>
+    <p:spTree>
+      <p:nvGrpSpPr>
+        <p:cNvPr id="1" name=""/>
+        <p:cNvGrpSpPr/>
+        <p:nvPr/>
+      </p:nvGrpSpPr>
+      <p:grpSpPr>
+        <a:xfrm>
+          <a:off x="0" y="0"/>
+          <a:ext cx="0" cy="0"/>
+          <a:chOff x="0" y="0"/>
+          <a:chExt cx="0" cy="0"/>
+        </a:xfrm>
+      </p:grpSpPr>
+      <p:sp>
+        <p:nvSpPr>
+          <p:cNvPr id="2" name="Title 1">
+            <a:extLst>
+              <a:ext uri="{FF2B5EF4-FFF2-40B4-BE49-F238E27FC236}">
+                <a16:creationId xmlns:a16="http://schemas.microsoft.com/office/drawing/2014/main" id="{A47FB03F-33BA-17F6-1CDE-BEE1BECB41DA}"/>
+              </a:ext>
+            </a:extLst>
+          </p:cNvPr>
+          <p:cNvSpPr>
+            <a:spLocks noGrp="1"/>
+          </p:cNvSpPr>
+          <p:nvPr>
+            <p:ph type="title"/>
+          </p:nvPr>
+        </p:nvSpPr>
+        <p:spPr/>
+        <p:txBody>
+          <a:bodyPr/>
+          <a:lstStyle/>
+          <a:p>
+            <a:r>
+              <a:rPr lang="en-US" dirty="0"/>
+              <a:t>Analysis / Path Forward</a:t>
+            </a:r>
+          </a:p>
+        </p:txBody>
+      </p:sp>
+      <p:sp>
+        <p:nvSpPr>
+          <p:cNvPr id="3" name="Content Placeholder 2">
+            <a:extLst>
+              <a:ext uri="{FF2B5EF4-FFF2-40B4-BE49-F238E27FC236}">
+                <a16:creationId xmlns:a16="http://schemas.microsoft.com/office/drawing/2014/main" id="{25D29FD5-43B0-3BD5-8842-CFC51AE13A0C}"/>
+              </a:ext>
+            </a:extLst>
+          </p:cNvPr>
+          <p:cNvSpPr>
+            <a:spLocks noGrp="1"/>
+          </p:cNvSpPr>
+          <p:nvPr>
+            <p:ph idx="1"/>
+          </p:nvPr>
+        </p:nvSpPr>
+        <p:spPr/>
+        <p:txBody>
+          <a:bodyPr/>
+          <a:lstStyle/>
+          <a:p>
+            <a:pPr marL="457200" indent="-457200">
+              <a:buFont typeface="Arial" panose="020B0604020202020204" pitchFamily="34" charset="0"/>
+              <a:buChar char="•"/>
+            </a:pPr>
+            <a:r>
+              <a:rPr lang="en-US" dirty="0"/>
+              <a:t>Breakdown by amount category</a:t>
+            </a:r>
+          </a:p>
+          <a:p>
+            <a:pPr marL="914400" lvl="1" indent="-457200">
+              <a:buFont typeface="Arial" panose="020B0604020202020204" pitchFamily="34" charset="0"/>
+              <a:buChar char="•"/>
+            </a:pPr>
+            <a:r>
+              <a:rPr lang="en-US" dirty="0"/>
+              <a:t>&lt;= $15,000 Cat 1</a:t>
+            </a:r>
+          </a:p>
+          <a:p>
+            <a:pPr marL="914400" lvl="1" indent="-457200">
+              <a:buFont typeface="Arial" panose="020B0604020202020204" pitchFamily="34" charset="0"/>
+              <a:buChar char="•"/>
+            </a:pPr>
+            <a:r>
+              <a:rPr lang="en-US" dirty="0"/>
+              <a:t>&gt; $15,000  &lt;= $50,000 Cat 2</a:t>
+            </a:r>
+          </a:p>
+          <a:p>
+            <a:pPr marL="914400" lvl="1" indent="-457200">
+              <a:buFont typeface="Arial" panose="020B0604020202020204" pitchFamily="34" charset="0"/>
+              <a:buChar char="•"/>
+            </a:pPr>
+            <a:r>
+              <a:rPr lang="en-US" dirty="0"/>
+              <a:t>&gt; %50,000  &lt;= $100,000 Cat 3</a:t>
+            </a:r>
+          </a:p>
+          <a:p>
+            <a:pPr marL="914400" lvl="1" indent="-457200">
+              <a:buFont typeface="Arial" panose="020B0604020202020204" pitchFamily="34" charset="0"/>
+              <a:buChar char="•"/>
+            </a:pPr>
+            <a:r>
+              <a:rPr lang="en-US" dirty="0"/>
+              <a:t>&gt; $100,000 Cat 4</a:t>
+            </a:r>
+          </a:p>
+          <a:p>
+            <a:pPr marL="457200" indent="-457200">
+              <a:buFont typeface="Arial" panose="020B0604020202020204" pitchFamily="34" charset="0"/>
+              <a:buChar char="•"/>
+            </a:pPr>
+            <a:r>
+              <a:rPr lang="en-US" dirty="0"/>
+              <a:t>Look at individual tickers</a:t>
+            </a:r>
+          </a:p>
+          <a:p>
+            <a:pPr marL="914400" lvl="1" indent="-457200">
+              <a:buFont typeface="Arial" panose="020B0604020202020204" pitchFamily="34" charset="0"/>
+              <a:buChar char="•"/>
+            </a:pPr>
+            <a:r>
+              <a:rPr lang="en-US" dirty="0"/>
+              <a:t>Categories – build “funds”</a:t>
+            </a:r>
+          </a:p>
+          <a:p>
+            <a:pPr marL="1371600" lvl="2" indent="-457200">
+              <a:buFont typeface="Arial" panose="020B0604020202020204" pitchFamily="34" charset="0"/>
+              <a:buChar char="•"/>
+            </a:pPr>
+            <a:r>
+              <a:rPr lang="en-US" dirty="0"/>
+              <a:t>See if trends in funds match up with categories / description of what is in the bills that pass the house</a:t>
+            </a:r>
+          </a:p>
+          <a:p>
+            <a:pPr marL="1371600" lvl="2" indent="-457200">
+              <a:buFont typeface="Arial" panose="020B0604020202020204" pitchFamily="34" charset="0"/>
+              <a:buChar char="•"/>
+            </a:pPr>
+            <a:endParaRPr lang="en-US" dirty="0"/>
+          </a:p>
+        </p:txBody>
+      </p:sp>
+      <p:sp>
+        <p:nvSpPr>
+          <p:cNvPr id="4" name="Date Placeholder 3">
+            <a:extLst>
+              <a:ext uri="{FF2B5EF4-FFF2-40B4-BE49-F238E27FC236}">
+                <a16:creationId xmlns:a16="http://schemas.microsoft.com/office/drawing/2014/main" id="{F64EC32C-B785-9C29-2129-6662032C56C1}"/>
+              </a:ext>
+            </a:extLst>
+          </p:cNvPr>
+          <p:cNvSpPr>
+            <a:spLocks noGrp="1"/>
+          </p:cNvSpPr>
+          <p:nvPr>
+            <p:ph type="dt" sz="half" idx="2"/>
+          </p:nvPr>
+        </p:nvSpPr>
+        <p:spPr/>
+        <p:txBody>
+          <a:bodyPr/>
+          <a:lstStyle/>
+          <a:p>
+            <a:fld id="{7E7AB22C-8B7E-9B4A-8C65-396C3C874D86}" type="datetime1">
+              <a:rPr lang="en-US" smtClean="0"/>
+              <a:pPr/>
+              <a:t>12/7/2022</a:t>
+            </a:fld>
+            <a:endParaRPr lang="en-US" dirty="0"/>
+          </a:p>
+        </p:txBody>
+      </p:sp>
+      <p:sp>
+        <p:nvSpPr>
+          <p:cNvPr id="5" name="Footer Placeholder 4">
+            <a:extLst>
+              <a:ext uri="{FF2B5EF4-FFF2-40B4-BE49-F238E27FC236}">
+                <a16:creationId xmlns:a16="http://schemas.microsoft.com/office/drawing/2014/main" id="{6D2835A8-5D22-B342-749C-5A379A4D66D2}"/>
+              </a:ext>
+            </a:extLst>
+          </p:cNvPr>
+          <p:cNvSpPr>
+            <a:spLocks noGrp="1"/>
+          </p:cNvSpPr>
+          <p:nvPr>
+            <p:ph type="ftr" sz="quarter" idx="3"/>
+          </p:nvPr>
+        </p:nvSpPr>
+        <p:spPr/>
+        <p:txBody>
+          <a:bodyPr/>
+          <a:lstStyle/>
+          <a:p>
+            <a:r>
+              <a:rPr lang="en-US"/>
+              <a:t>PRESENTATION TITLE</a:t>
+            </a:r>
+            <a:endParaRPr lang="en-US" dirty="0"/>
+          </a:p>
+        </p:txBody>
+      </p:sp>
+      <p:sp>
+        <p:nvSpPr>
+          <p:cNvPr id="6" name="Slide Number Placeholder 5">
+            <a:extLst>
+              <a:ext uri="{FF2B5EF4-FFF2-40B4-BE49-F238E27FC236}">
+                <a16:creationId xmlns:a16="http://schemas.microsoft.com/office/drawing/2014/main" id="{A727A37B-21DE-52C1-BAE3-E54D1EEC8363}"/>
+              </a:ext>
+            </a:extLst>
+          </p:cNvPr>
+          <p:cNvSpPr>
+            <a:spLocks noGrp="1"/>
+          </p:cNvSpPr>
+          <p:nvPr>
+            <p:ph type="sldNum" sz="quarter" idx="4"/>
+          </p:nvPr>
+        </p:nvSpPr>
+        <p:spPr/>
+        <p:txBody>
+          <a:bodyPr/>
+          <a:lstStyle/>
+          <a:p>
+            <a:fld id="{294A09A9-5501-47C1-A89A-A340965A2BE2}" type="slidenum">
+              <a:rPr lang="en-US" smtClean="0"/>
+              <a:pPr/>
+              <a:t>15</a:t>
+            </a:fld>
+            <a:endParaRPr lang="en-US" dirty="0"/>
+          </a:p>
+        </p:txBody>
+      </p:sp>
+    </p:spTree>
+    <p:extLst>
+      <p:ext uri="{BB962C8B-B14F-4D97-AF65-F5344CB8AC3E}">
+        <p14:creationId xmlns:p14="http://schemas.microsoft.com/office/powerpoint/2010/main" val="875671045"/>
+      </p:ext>
+    </p:extLst>
+  </p:cSld>
+  <p:clrMapOvr>
+    <a:masterClrMapping/>
+  </p:clrMapOvr>
+</p:sld>
+</file>
+
+<file path=ppt/slides/slide16.xml><?xml version="1.0" encoding="utf-8"?>
+<p:sld xmlns:a="http://schemas.openxmlformats.org/drawingml/2006/main" xmlns:r="http://schemas.openxmlformats.org/officeDocument/2006/relationships" xmlns:p="http://schemas.openxmlformats.org/presentationml/2006/main">
+  <p:cSld>
+    <p:spTree>
+      <p:nvGrpSpPr>
+        <p:cNvPr id="1" name=""/>
+        <p:cNvGrpSpPr/>
+        <p:nvPr/>
+      </p:nvGrpSpPr>
+      <p:grpSpPr>
+        <a:xfrm>
+          <a:off x="0" y="0"/>
+          <a:ext cx="0" cy="0"/>
+          <a:chOff x="0" y="0"/>
+          <a:chExt cx="0" cy="0"/>
+        </a:xfrm>
+      </p:grpSpPr>
+      <p:sp>
+        <p:nvSpPr>
+          <p:cNvPr id="2" name="Title 1">
+            <a:extLst>
+              <a:ext uri="{FF2B5EF4-FFF2-40B4-BE49-F238E27FC236}">
+                <a16:creationId xmlns:a16="http://schemas.microsoft.com/office/drawing/2014/main" id="{0C8705A4-D5E3-DA2C-D38B-1E37E2CC198B}"/>
+              </a:ext>
+            </a:extLst>
+          </p:cNvPr>
+          <p:cNvSpPr>
+            <a:spLocks noGrp="1"/>
+          </p:cNvSpPr>
+          <p:nvPr>
+            <p:ph type="title"/>
+          </p:nvPr>
+        </p:nvSpPr>
+        <p:spPr/>
+        <p:txBody>
+          <a:bodyPr/>
+          <a:lstStyle/>
+          <a:p>
+            <a:r>
+              <a:rPr lang="en-US" dirty="0"/>
+              <a:t>Challenges</a:t>
+            </a:r>
+          </a:p>
+        </p:txBody>
+      </p:sp>
+      <p:sp>
+        <p:nvSpPr>
+          <p:cNvPr id="3" name="Content Placeholder 2">
+            <a:extLst>
+              <a:ext uri="{FF2B5EF4-FFF2-40B4-BE49-F238E27FC236}">
+                <a16:creationId xmlns:a16="http://schemas.microsoft.com/office/drawing/2014/main" id="{72BE2236-20B3-636C-499A-A3E2A953D974}"/>
+              </a:ext>
+            </a:extLst>
+          </p:cNvPr>
+          <p:cNvSpPr>
+            <a:spLocks noGrp="1"/>
+          </p:cNvSpPr>
+          <p:nvPr>
+            <p:ph idx="1"/>
+          </p:nvPr>
+        </p:nvSpPr>
+        <p:spPr/>
+        <p:txBody>
+          <a:bodyPr/>
+          <a:lstStyle/>
+          <a:p>
+            <a:pPr marL="457200" indent="-457200">
+              <a:buFont typeface="Arial" panose="020B0604020202020204" pitchFamily="34" charset="0"/>
+              <a:buChar char="•"/>
+            </a:pPr>
+            <a:r>
+              <a:rPr lang="en-US" dirty="0"/>
+              <a:t>Overlap of Bill Passage</a:t>
+            </a:r>
+          </a:p>
+          <a:p>
+            <a:pPr marL="457200" indent="-457200">
+              <a:buFont typeface="Arial" panose="020B0604020202020204" pitchFamily="34" charset="0"/>
+              <a:buChar char="•"/>
+            </a:pPr>
+            <a:r>
+              <a:rPr lang="en-US" dirty="0"/>
+              <a:t>Incorporation of “Suspend the Rules and Pass” and other vote questions</a:t>
+            </a:r>
+          </a:p>
+          <a:p>
+            <a:pPr marL="457200" indent="-457200">
+              <a:buFont typeface="Arial" panose="020B0604020202020204" pitchFamily="34" charset="0"/>
+              <a:buChar char="•"/>
+            </a:pPr>
+            <a:r>
+              <a:rPr lang="en-US" dirty="0"/>
+              <a:t>Total Value of trades are unknown</a:t>
+            </a:r>
+          </a:p>
+          <a:p>
+            <a:pPr marL="457200" indent="-457200">
+              <a:buFont typeface="Arial" panose="020B0604020202020204" pitchFamily="34" charset="0"/>
+              <a:buChar char="•"/>
+            </a:pPr>
+            <a:endParaRPr lang="en-US" dirty="0"/>
+          </a:p>
+        </p:txBody>
+      </p:sp>
+      <p:sp>
+        <p:nvSpPr>
+          <p:cNvPr id="4" name="Date Placeholder 3">
+            <a:extLst>
+              <a:ext uri="{FF2B5EF4-FFF2-40B4-BE49-F238E27FC236}">
+                <a16:creationId xmlns:a16="http://schemas.microsoft.com/office/drawing/2014/main" id="{3AEE88EF-212B-3466-B2EB-C9A795D19A1D}"/>
+              </a:ext>
+            </a:extLst>
+          </p:cNvPr>
+          <p:cNvSpPr>
+            <a:spLocks noGrp="1"/>
+          </p:cNvSpPr>
+          <p:nvPr>
+            <p:ph type="dt" sz="half" idx="2"/>
+          </p:nvPr>
+        </p:nvSpPr>
+        <p:spPr/>
+        <p:txBody>
+          <a:bodyPr/>
+          <a:lstStyle/>
+          <a:p>
+            <a:fld id="{7E7AB22C-8B7E-9B4A-8C65-396C3C874D86}" type="datetime1">
+              <a:rPr lang="en-US" smtClean="0"/>
+              <a:pPr/>
+              <a:t>12/7/2022</a:t>
+            </a:fld>
+            <a:endParaRPr lang="en-US" dirty="0"/>
+          </a:p>
+        </p:txBody>
+      </p:sp>
+      <p:sp>
+        <p:nvSpPr>
+          <p:cNvPr id="5" name="Footer Placeholder 4">
+            <a:extLst>
+              <a:ext uri="{FF2B5EF4-FFF2-40B4-BE49-F238E27FC236}">
+                <a16:creationId xmlns:a16="http://schemas.microsoft.com/office/drawing/2014/main" id="{6A6B5BF6-C15B-19B9-E6B3-C26DAED29E3F}"/>
+              </a:ext>
+            </a:extLst>
+          </p:cNvPr>
+          <p:cNvSpPr>
+            <a:spLocks noGrp="1"/>
+          </p:cNvSpPr>
+          <p:nvPr>
+            <p:ph type="ftr" sz="quarter" idx="3"/>
+          </p:nvPr>
+        </p:nvSpPr>
+        <p:spPr/>
+        <p:txBody>
+          <a:bodyPr/>
+          <a:lstStyle/>
+          <a:p>
+            <a:r>
+              <a:rPr lang="en-US"/>
+              <a:t>PRESENTATION TITLE</a:t>
+            </a:r>
+            <a:endParaRPr lang="en-US" dirty="0"/>
+          </a:p>
+        </p:txBody>
+      </p:sp>
+      <p:sp>
+        <p:nvSpPr>
+          <p:cNvPr id="6" name="Slide Number Placeholder 5">
+            <a:extLst>
+              <a:ext uri="{FF2B5EF4-FFF2-40B4-BE49-F238E27FC236}">
+                <a16:creationId xmlns:a16="http://schemas.microsoft.com/office/drawing/2014/main" id="{048C5484-ADA5-B44B-AE47-E077124D8A1B}"/>
+              </a:ext>
+            </a:extLst>
+          </p:cNvPr>
+          <p:cNvSpPr>
+            <a:spLocks noGrp="1"/>
+          </p:cNvSpPr>
+          <p:nvPr>
+            <p:ph type="sldNum" sz="quarter" idx="4"/>
+          </p:nvPr>
+        </p:nvSpPr>
+        <p:spPr/>
+        <p:txBody>
+          <a:bodyPr/>
+          <a:lstStyle/>
+          <a:p>
+            <a:fld id="{294A09A9-5501-47C1-A89A-A340965A2BE2}" type="slidenum">
+              <a:rPr lang="en-US" smtClean="0"/>
+              <a:pPr/>
+              <a:t>16</a:t>
+            </a:fld>
+            <a:endParaRPr lang="en-US" dirty="0"/>
+          </a:p>
+        </p:txBody>
+      </p:sp>
+    </p:spTree>
+    <p:extLst>
+      <p:ext uri="{BB962C8B-B14F-4D97-AF65-F5344CB8AC3E}">
+        <p14:creationId xmlns:p14="http://schemas.microsoft.com/office/powerpoint/2010/main" val="3833098787"/>
+      </p:ext>
+    </p:extLst>
+  </p:cSld>
+  <p:clrMapOvr>
+    <a:masterClrMapping/>
+  </p:clrMapOvr>
+</p:sld>
+</file>
+
+<file path=ppt/slides/slide17.xml><?xml version="1.0" encoding="utf-8"?>
+<p:sld xmlns:a="http://schemas.openxmlformats.org/drawingml/2006/main" xmlns:r="http://schemas.openxmlformats.org/officeDocument/2006/relationships" xmlns:p="http://schemas.openxmlformats.org/presentationml/2006/main">
+  <p:cSld>
+    <p:spTree>
+      <p:nvGrpSpPr>
+        <p:cNvPr id="1" name=""/>
+        <p:cNvGrpSpPr/>
+        <p:nvPr/>
+      </p:nvGrpSpPr>
+      <p:grpSpPr>
+        <a:xfrm>
+          <a:off x="0" y="0"/>
+          <a:ext cx="0" cy="0"/>
+          <a:chOff x="0" y="0"/>
+          <a:chExt cx="0" cy="0"/>
+        </a:xfrm>
+      </p:grpSpPr>
+      <p:sp>
+        <p:nvSpPr>
+          <p:cNvPr id="2" name="Title 1">
+            <a:extLst>
+              <a:ext uri="{FF2B5EF4-FFF2-40B4-BE49-F238E27FC236}">
+                <a16:creationId xmlns:a16="http://schemas.microsoft.com/office/drawing/2014/main" id="{A0AD76C4-3A2D-85F4-3A59-A526C832BD9A}"/>
+              </a:ext>
+            </a:extLst>
+          </p:cNvPr>
+          <p:cNvSpPr>
+            <a:spLocks noGrp="1"/>
+          </p:cNvSpPr>
+          <p:nvPr>
+            <p:ph type="title"/>
+          </p:nvPr>
+        </p:nvSpPr>
+        <p:spPr>
+          <a:xfrm>
+            <a:off x="1167492" y="2518275"/>
+            <a:ext cx="9779183" cy="1325563"/>
+          </a:xfrm>
+        </p:spPr>
+        <p:txBody>
+          <a:bodyPr/>
+          <a:lstStyle/>
+          <a:p>
+            <a:pPr algn="ctr"/>
+            <a:r>
+              <a:rPr lang="en-US" dirty="0"/>
+              <a:t>Conclusion</a:t>
+            </a:r>
+          </a:p>
+        </p:txBody>
+      </p:sp>
+      <p:sp>
+        <p:nvSpPr>
+          <p:cNvPr id="4" name="Date Placeholder 3">
+            <a:extLst>
+              <a:ext uri="{FF2B5EF4-FFF2-40B4-BE49-F238E27FC236}">
+                <a16:creationId xmlns:a16="http://schemas.microsoft.com/office/drawing/2014/main" id="{66BC1975-7A7A-C648-D7DE-A958766ACD87}"/>
+              </a:ext>
+            </a:extLst>
+          </p:cNvPr>
+          <p:cNvSpPr>
+            <a:spLocks noGrp="1"/>
+          </p:cNvSpPr>
+          <p:nvPr>
+            <p:ph type="dt" sz="half" idx="2"/>
+          </p:nvPr>
+        </p:nvSpPr>
+        <p:spPr/>
+        <p:txBody>
+          <a:bodyPr/>
+          <a:lstStyle/>
+          <a:p>
+            <a:fld id="{7E7AB22C-8B7E-9B4A-8C65-396C3C874D86}" type="datetime1">
+              <a:rPr lang="en-US" smtClean="0"/>
+              <a:pPr/>
+              <a:t>12/7/2022</a:t>
+            </a:fld>
+            <a:endParaRPr lang="en-US" dirty="0"/>
+          </a:p>
+        </p:txBody>
+      </p:sp>
+      <p:sp>
+        <p:nvSpPr>
+          <p:cNvPr id="5" name="Footer Placeholder 4">
+            <a:extLst>
+              <a:ext uri="{FF2B5EF4-FFF2-40B4-BE49-F238E27FC236}">
+                <a16:creationId xmlns:a16="http://schemas.microsoft.com/office/drawing/2014/main" id="{6D68FB0F-B1CA-788F-3F2E-2169029C1883}"/>
+              </a:ext>
+            </a:extLst>
+          </p:cNvPr>
+          <p:cNvSpPr>
+            <a:spLocks noGrp="1"/>
+          </p:cNvSpPr>
+          <p:nvPr>
+            <p:ph type="ftr" sz="quarter" idx="3"/>
+          </p:nvPr>
+        </p:nvSpPr>
+        <p:spPr/>
+        <p:txBody>
+          <a:bodyPr/>
+          <a:lstStyle/>
+          <a:p>
+            <a:r>
+              <a:rPr lang="en-US"/>
+              <a:t>PRESENTATION TITLE</a:t>
+            </a:r>
+            <a:endParaRPr lang="en-US" dirty="0"/>
+          </a:p>
+        </p:txBody>
+      </p:sp>
+      <p:sp>
+        <p:nvSpPr>
+          <p:cNvPr id="6" name="Slide Number Placeholder 5">
+            <a:extLst>
+              <a:ext uri="{FF2B5EF4-FFF2-40B4-BE49-F238E27FC236}">
+                <a16:creationId xmlns:a16="http://schemas.microsoft.com/office/drawing/2014/main" id="{A68665C5-9207-7200-0667-1AEA88A98947}"/>
+              </a:ext>
+            </a:extLst>
+          </p:cNvPr>
+          <p:cNvSpPr>
+            <a:spLocks noGrp="1"/>
+          </p:cNvSpPr>
+          <p:nvPr>
+            <p:ph type="sldNum" sz="quarter" idx="4"/>
+          </p:nvPr>
+        </p:nvSpPr>
+        <p:spPr/>
+        <p:txBody>
+          <a:bodyPr/>
+          <a:lstStyle/>
+          <a:p>
+            <a:fld id="{294A09A9-5501-47C1-A89A-A340965A2BE2}" type="slidenum">
+              <a:rPr lang="en-US" smtClean="0"/>
+              <a:pPr/>
+              <a:t>17</a:t>
+            </a:fld>
+            <a:endParaRPr lang="en-US" dirty="0"/>
+          </a:p>
+        </p:txBody>
+      </p:sp>
+    </p:spTree>
+    <p:extLst>
+      <p:ext uri="{BB962C8B-B14F-4D97-AF65-F5344CB8AC3E}">
+        <p14:creationId xmlns:p14="http://schemas.microsoft.com/office/powerpoint/2010/main" val="4280185678"/>
+      </p:ext>
+    </p:extLst>
+  </p:cSld>
+  <p:clrMapOvr>
+    <a:masterClrMapping/>
+  </p:clrMapOvr>
+</p:sld>
+</file>
+
+<file path=ppt/slides/slide18.xml><?xml version="1.0" encoding="utf-8"?>
+<p:sld xmlns:a="http://schemas.openxmlformats.org/drawingml/2006/main" xmlns:r="http://schemas.openxmlformats.org/officeDocument/2006/relationships" xmlns:p="http://schemas.openxmlformats.org/presentationml/2006/main">
+  <p:cSld>
+    <p:spTree>
+      <p:nvGrpSpPr>
+        <p:cNvPr id="1" name=""/>
+        <p:cNvGrpSpPr/>
+        <p:nvPr/>
+      </p:nvGrpSpPr>
+      <p:grpSpPr>
+        <a:xfrm>
+          <a:off x="0" y="0"/>
+          <a:ext cx="0" cy="0"/>
+          <a:chOff x="0" y="0"/>
+          <a:chExt cx="0" cy="0"/>
+        </a:xfrm>
+      </p:grpSpPr>
+      <p:sp>
+        <p:nvSpPr>
+          <p:cNvPr id="2" name="Title 1">
+            <a:extLst>
+              <a:ext uri="{FF2B5EF4-FFF2-40B4-BE49-F238E27FC236}">
+                <a16:creationId xmlns:a16="http://schemas.microsoft.com/office/drawing/2014/main" id="{54CE4C9E-6F83-1C05-AA4D-907ECC49DE9E}"/>
+              </a:ext>
+            </a:extLst>
+          </p:cNvPr>
+          <p:cNvSpPr>
+            <a:spLocks noGrp="1"/>
+          </p:cNvSpPr>
+          <p:nvPr>
+            <p:ph type="title"/>
+          </p:nvPr>
+        </p:nvSpPr>
+        <p:spPr/>
+        <p:txBody>
+          <a:bodyPr/>
+          <a:lstStyle/>
+          <a:p>
+            <a:r>
+              <a:rPr lang="en-US" dirty="0"/>
+              <a:t>Bibliography</a:t>
+            </a:r>
+          </a:p>
+        </p:txBody>
+      </p:sp>
+      <p:sp>
+        <p:nvSpPr>
+          <p:cNvPr id="3" name="Content Placeholder 2">
+            <a:extLst>
+              <a:ext uri="{FF2B5EF4-FFF2-40B4-BE49-F238E27FC236}">
+                <a16:creationId xmlns:a16="http://schemas.microsoft.com/office/drawing/2014/main" id="{15C39B1A-E993-A9CC-254F-485521705A9C}"/>
+              </a:ext>
+            </a:extLst>
+          </p:cNvPr>
+          <p:cNvSpPr>
+            <a:spLocks noGrp="1"/>
+          </p:cNvSpPr>
+          <p:nvPr>
+            <p:ph idx="1"/>
+          </p:nvPr>
+        </p:nvSpPr>
+        <p:spPr/>
+        <p:txBody>
+          <a:bodyPr/>
+          <a:lstStyle/>
+          <a:p>
+            <a:r>
+              <a:rPr lang="en-US" sz="1400" dirty="0">
+                <a:effectLst/>
+              </a:rPr>
+              <a:t>C. Eggers, Andrew, and Jens </a:t>
+            </a:r>
+            <a:r>
+              <a:rPr lang="en-US" sz="1400" dirty="0" err="1">
+                <a:effectLst/>
+              </a:rPr>
+              <a:t>Hainmueller</a:t>
+            </a:r>
+            <a:r>
+              <a:rPr lang="en-US" sz="1400" dirty="0">
+                <a:effectLst/>
+              </a:rPr>
+              <a:t>. “Capitol Losses: The Mediocre Performance of Congressional Stock Portfolios.” </a:t>
+            </a:r>
+            <a:r>
+              <a:rPr lang="en-US" sz="1400" i="1" dirty="0">
+                <a:effectLst/>
+              </a:rPr>
+              <a:t>The Journal of Politics</a:t>
+            </a:r>
+            <a:r>
+              <a:rPr lang="en-US" sz="1400" dirty="0">
+                <a:effectLst/>
+              </a:rPr>
+              <a:t> 75, no. 2 (April 2013): 535–51. </a:t>
+            </a:r>
+            <a:r>
+              <a:rPr lang="en-US" sz="1400" dirty="0">
+                <a:effectLst/>
+                <a:hlinkClick r:id="rId2"/>
+              </a:rPr>
+              <a:t>https://doi.org/10.1017/S0022381613000194</a:t>
+            </a:r>
+            <a:r>
+              <a:rPr lang="en-US" sz="1400" dirty="0">
+                <a:effectLst/>
+              </a:rPr>
+              <a:t>.</a:t>
+            </a:r>
+          </a:p>
+          <a:p>
+            <a:r>
+              <a:rPr lang="en-US" sz="1400" dirty="0" err="1">
+                <a:effectLst/>
+              </a:rPr>
+              <a:t>FinePrint</a:t>
+            </a:r>
+            <a:r>
+              <a:rPr lang="en-US" sz="1400" dirty="0">
+                <a:effectLst/>
+              </a:rPr>
+              <a:t>. “Deep Dive: Pelosi’s Stocks and Options 2019-2021.” </a:t>
+            </a:r>
+            <a:r>
+              <a:rPr lang="en-US" sz="1400" dirty="0" err="1">
+                <a:effectLst/>
+              </a:rPr>
+              <a:t>FinePrint</a:t>
+            </a:r>
+            <a:r>
+              <a:rPr lang="en-US" sz="1400" dirty="0">
+                <a:effectLst/>
+              </a:rPr>
+              <a:t>, October 6, 2021. </a:t>
+            </a:r>
+            <a:r>
+              <a:rPr lang="en-US" sz="1400" dirty="0">
+                <a:effectLst/>
+                <a:hlinkClick r:id="rId3"/>
+              </a:rPr>
+              <a:t>https://www.fineprintdata.com/post/pelosistocks</a:t>
+            </a:r>
+            <a:r>
+              <a:rPr lang="en-US" sz="1400" dirty="0">
+                <a:effectLst/>
+              </a:rPr>
+              <a:t>.</a:t>
+            </a:r>
+          </a:p>
+          <a:p>
+            <a:r>
+              <a:rPr lang="en-US" sz="1400" dirty="0" err="1">
+                <a:effectLst/>
+              </a:rPr>
+              <a:t>Karadas</a:t>
+            </a:r>
+            <a:r>
+              <a:rPr lang="en-US" sz="1400" dirty="0">
+                <a:effectLst/>
+              </a:rPr>
+              <a:t>, Serkan, Minh Tam Tammy </a:t>
+            </a:r>
+            <a:r>
+              <a:rPr lang="en-US" sz="1400" dirty="0" err="1">
+                <a:effectLst/>
+              </a:rPr>
+              <a:t>Schlosky</a:t>
+            </a:r>
+            <a:r>
+              <a:rPr lang="en-US" sz="1400" dirty="0">
+                <a:effectLst/>
+              </a:rPr>
+              <a:t>, and Joshua C. Hall. “Aggregate Congressional Trading and Stock Market Returns.” </a:t>
+            </a:r>
+            <a:r>
+              <a:rPr lang="en-US" sz="1400" i="1" dirty="0">
+                <a:effectLst/>
+              </a:rPr>
+              <a:t>Journal of Financial Economic Policy</a:t>
+            </a:r>
+            <a:r>
+              <a:rPr lang="en-US" sz="1400" dirty="0">
+                <a:effectLst/>
+              </a:rPr>
+              <a:t> 14, no. 2 (January 1, 2021): 172–86. </a:t>
+            </a:r>
+            <a:r>
+              <a:rPr lang="en-US" sz="1400" dirty="0">
+                <a:effectLst/>
+                <a:hlinkClick r:id="rId4"/>
+              </a:rPr>
+              <a:t>https://doi.org/10.1108/JFEP-02-2021-0035</a:t>
+            </a:r>
+            <a:r>
+              <a:rPr lang="en-US" sz="1400" dirty="0">
+                <a:effectLst/>
+              </a:rPr>
+              <a:t>.</a:t>
+            </a:r>
+          </a:p>
+          <a:p>
+            <a:r>
+              <a:rPr lang="en-US" sz="1400" dirty="0">
+                <a:effectLst/>
+              </a:rPr>
+              <a:t>“Office of the Clerk, U.S. House of Representatives - Public Disclosure.” Accessed October 18, 2022. </a:t>
+            </a:r>
+            <a:r>
+              <a:rPr lang="en-US" sz="1400" dirty="0">
+                <a:effectLst/>
+                <a:hlinkClick r:id="rId5"/>
+              </a:rPr>
+              <a:t>https://disclosures-clerk.house.gov/</a:t>
+            </a:r>
+            <a:r>
+              <a:rPr lang="en-US" sz="1400" dirty="0">
+                <a:effectLst/>
+              </a:rPr>
+              <a:t>.</a:t>
+            </a:r>
+          </a:p>
+          <a:p>
+            <a:r>
+              <a:rPr lang="en-US" sz="1400" dirty="0" err="1">
+                <a:effectLst/>
+              </a:rPr>
+              <a:t>Schieberl</a:t>
+            </a:r>
+            <a:r>
+              <a:rPr lang="en-US" sz="1400" dirty="0">
+                <a:effectLst/>
+              </a:rPr>
+              <a:t>, Jeffrey, and Marshall </a:t>
+            </a:r>
+            <a:r>
+              <a:rPr lang="en-US" sz="1400" dirty="0" err="1">
+                <a:effectLst/>
+              </a:rPr>
+              <a:t>Nickles</a:t>
+            </a:r>
+            <a:r>
+              <a:rPr lang="en-US" sz="1400" dirty="0">
+                <a:effectLst/>
+              </a:rPr>
+              <a:t>. “Congressional Insider Trading: Is It Legal?” </a:t>
+            </a:r>
+            <a:r>
+              <a:rPr lang="en-US" sz="1400" i="1" dirty="0">
+                <a:effectLst/>
+              </a:rPr>
+              <a:t>Journal of Business Case Studies (JBCS)</a:t>
+            </a:r>
+            <a:r>
+              <a:rPr lang="en-US" sz="1400" dirty="0">
+                <a:effectLst/>
+              </a:rPr>
+              <a:t> 9, no. 3 (April 26, 2013): 221–26. </a:t>
+            </a:r>
+            <a:r>
+              <a:rPr lang="en-US" sz="1400" dirty="0">
+                <a:effectLst/>
+                <a:hlinkClick r:id="rId6"/>
+              </a:rPr>
+              <a:t>https://doi.org/10.19030/jbcs.v9i3.7798</a:t>
+            </a:r>
+            <a:r>
+              <a:rPr lang="en-US" sz="1400" dirty="0">
+                <a:effectLst/>
+              </a:rPr>
+              <a:t>.</a:t>
+            </a:r>
+          </a:p>
+          <a:p>
+            <a:r>
+              <a:rPr lang="en-US" sz="1400" dirty="0" err="1">
+                <a:effectLst/>
+              </a:rPr>
+              <a:t>Schulp</a:t>
+            </a:r>
+            <a:r>
+              <a:rPr lang="en-US" sz="1400" dirty="0">
+                <a:effectLst/>
+              </a:rPr>
+              <a:t>, Jennifer J., and Caleb O. Brown. “Will Banning Congressional Stock Trading Achieve Anything?,” September 27, 2022. </a:t>
+            </a:r>
+            <a:r>
+              <a:rPr lang="en-US" sz="1400" dirty="0">
+                <a:effectLst/>
+                <a:hlinkClick r:id="rId7"/>
+              </a:rPr>
+              <a:t>https://policycommons.net/artifacts/2680360/will-banning-congressional-stock-trading-achieve-anything/3703736/</a:t>
+            </a:r>
+            <a:r>
+              <a:rPr lang="en-US" sz="1400" dirty="0">
+                <a:effectLst/>
+              </a:rPr>
+              <a:t>.</a:t>
+            </a:r>
+          </a:p>
+          <a:p>
+            <a:r>
+              <a:rPr lang="en-US" sz="1400" dirty="0">
+                <a:effectLst/>
+              </a:rPr>
+              <a:t>“</a:t>
+            </a:r>
+            <a:r>
+              <a:rPr lang="en-US" sz="1400" dirty="0" err="1">
+                <a:effectLst/>
+              </a:rPr>
+              <a:t>Voteview</a:t>
+            </a:r>
+            <a:r>
+              <a:rPr lang="en-US" sz="1400" dirty="0">
+                <a:effectLst/>
+              </a:rPr>
+              <a:t> | Data.” Accessed December 7, 2022. </a:t>
+            </a:r>
+            <a:r>
+              <a:rPr lang="en-US" sz="1400" dirty="0">
+                <a:effectLst/>
+                <a:hlinkClick r:id="rId8"/>
+              </a:rPr>
+              <a:t>https://voteview.com/data</a:t>
+            </a:r>
+            <a:r>
+              <a:rPr lang="en-US" sz="1400" dirty="0">
+                <a:effectLst/>
+              </a:rPr>
+              <a:t>.</a:t>
+            </a:r>
+          </a:p>
+          <a:p>
+            <a:endParaRPr lang="en-US" dirty="0">
+              <a:effectLst/>
+            </a:endParaRPr>
+          </a:p>
+          <a:p>
+            <a:endParaRPr lang="en-US" dirty="0"/>
+          </a:p>
+        </p:txBody>
+      </p:sp>
+      <p:sp>
+        <p:nvSpPr>
+          <p:cNvPr id="4" name="Date Placeholder 3">
+            <a:extLst>
+              <a:ext uri="{FF2B5EF4-FFF2-40B4-BE49-F238E27FC236}">
+                <a16:creationId xmlns:a16="http://schemas.microsoft.com/office/drawing/2014/main" id="{63BC24D8-CE2D-5C99-DFE3-211E91FDCD7C}"/>
+              </a:ext>
+            </a:extLst>
+          </p:cNvPr>
+          <p:cNvSpPr>
+            <a:spLocks noGrp="1"/>
+          </p:cNvSpPr>
+          <p:nvPr>
+            <p:ph type="dt" sz="half" idx="2"/>
+          </p:nvPr>
+        </p:nvSpPr>
+        <p:spPr/>
+        <p:txBody>
+          <a:bodyPr/>
+          <a:lstStyle/>
+          <a:p>
+            <a:fld id="{7E7AB22C-8B7E-9B4A-8C65-396C3C874D86}" type="datetime1">
+              <a:rPr lang="en-US" smtClean="0"/>
+              <a:pPr/>
+              <a:t>12/7/2022</a:t>
+            </a:fld>
+            <a:endParaRPr lang="en-US" dirty="0"/>
+          </a:p>
+        </p:txBody>
+      </p:sp>
+      <p:sp>
+        <p:nvSpPr>
+          <p:cNvPr id="5" name="Footer Placeholder 4">
+            <a:extLst>
+              <a:ext uri="{FF2B5EF4-FFF2-40B4-BE49-F238E27FC236}">
+                <a16:creationId xmlns:a16="http://schemas.microsoft.com/office/drawing/2014/main" id="{0DCCC167-F4C3-1424-EB66-C84A9E489639}"/>
+              </a:ext>
+            </a:extLst>
+          </p:cNvPr>
+          <p:cNvSpPr>
+            <a:spLocks noGrp="1"/>
+          </p:cNvSpPr>
+          <p:nvPr>
+            <p:ph type="ftr" sz="quarter" idx="3"/>
+          </p:nvPr>
+        </p:nvSpPr>
+        <p:spPr/>
+        <p:txBody>
+          <a:bodyPr/>
+          <a:lstStyle/>
+          <a:p>
+            <a:r>
+              <a:rPr lang="en-US"/>
+              <a:t>PRESENTATION TITLE</a:t>
+            </a:r>
+            <a:endParaRPr lang="en-US" dirty="0"/>
+          </a:p>
+        </p:txBody>
+      </p:sp>
+      <p:sp>
+        <p:nvSpPr>
+          <p:cNvPr id="6" name="Slide Number Placeholder 5">
+            <a:extLst>
+              <a:ext uri="{FF2B5EF4-FFF2-40B4-BE49-F238E27FC236}">
+                <a16:creationId xmlns:a16="http://schemas.microsoft.com/office/drawing/2014/main" id="{6CB185DB-1603-BE02-29AA-0BB43B11814B}"/>
+              </a:ext>
+            </a:extLst>
+          </p:cNvPr>
+          <p:cNvSpPr>
+            <a:spLocks noGrp="1"/>
+          </p:cNvSpPr>
+          <p:nvPr>
+            <p:ph type="sldNum" sz="quarter" idx="4"/>
+          </p:nvPr>
+        </p:nvSpPr>
+        <p:spPr/>
+        <p:txBody>
+          <a:bodyPr/>
+          <a:lstStyle/>
+          <a:p>
+            <a:fld id="{294A09A9-5501-47C1-A89A-A340965A2BE2}" type="slidenum">
+              <a:rPr lang="en-US" smtClean="0"/>
+              <a:pPr/>
+              <a:t>18</a:t>
+            </a:fld>
+            <a:endParaRPr lang="en-US" dirty="0"/>
+          </a:p>
+        </p:txBody>
+      </p:sp>
+    </p:spTree>
+    <p:extLst>
+      <p:ext uri="{BB962C8B-B14F-4D97-AF65-F5344CB8AC3E}">
+        <p14:creationId xmlns:p14="http://schemas.microsoft.com/office/powerpoint/2010/main" val="3284111600"/>
+      </p:ext>
+    </p:extLst>
+  </p:cSld>
+  <p:clrMapOvr>
+    <a:masterClrMapping/>
+  </p:clrMapOvr>
+</p:sld>
+</file>
+
 <file path=ppt/slides/slide2.xml><?xml version="1.0" encoding="utf-8"?>
 <p:sld xmlns:a="http://schemas.openxmlformats.org/drawingml/2006/main" xmlns:r="http://schemas.openxmlformats.org/officeDocument/2006/relationships" xmlns:p="http://schemas.openxmlformats.org/presentationml/2006/main">
   <p:cSld>
@@ -13040,7 +14977,7 @@
             <a:r>
               <a:rPr lang="en-US" b="0" i="0" dirty="0">
                 <a:solidFill>
-                  <a:srgbClr val="4A4A4A"/>
+                  <a:schemeClr val="tx1"/>
                 </a:solidFill>
                 <a:effectLst/>
                 <a:latin typeface="Montserrat" panose="00000500000000000000" pitchFamily="2" charset="0"/>
@@ -13052,13 +14989,17 @@
             <a:r>
               <a:rPr lang="en-US" dirty="0">
                 <a:solidFill>
-                  <a:srgbClr val="4A4A4A"/>
+                  <a:schemeClr val="tx1"/>
                 </a:solidFill>
                 <a:latin typeface="Montserrat" panose="00000500000000000000" pitchFamily="2" charset="0"/>
               </a:rPr>
-              <a:t>-Emilee Klein &amp; Tiffany Zheng (07Jan2022, fineprintdata.com)</a:t>
-            </a:r>
-            <a:endParaRPr lang="en-US" dirty="0"/>
+              <a:t>-Emilee Klein &amp; Tiffany Zheng (07JAN22, fineprintdata.com)</a:t>
+            </a:r>
+            <a:endParaRPr lang="en-US" dirty="0">
+              <a:solidFill>
+                <a:schemeClr val="tx1"/>
+              </a:solidFill>
+            </a:endParaRPr>
           </a:p>
         </p:txBody>
       </p:sp>
@@ -13164,96 +15105,85 @@
       </p:grpSpPr>
       <p:sp>
         <p:nvSpPr>
-          <p:cNvPr id="2" name="Title 1">
-            <a:extLst>
-              <a:ext uri="{FF2B5EF4-FFF2-40B4-BE49-F238E27FC236}">
-                <a16:creationId xmlns:a16="http://schemas.microsoft.com/office/drawing/2014/main" id="{912DF434-28DB-4621-A497-D62C41CE0419}"/>
-              </a:ext>
-            </a:extLst>
-          </p:cNvPr>
-          <p:cNvSpPr>
-            <a:spLocks noGrp="1"/>
-          </p:cNvSpPr>
-          <p:nvPr>
-            <p:ph type="title"/>
+          <p:cNvPr id="3" name="Content Placeholder 2">
+            <a:extLst>
+              <a:ext uri="{FF2B5EF4-FFF2-40B4-BE49-F238E27FC236}">
+                <a16:creationId xmlns:a16="http://schemas.microsoft.com/office/drawing/2014/main" id="{95B371F2-DBA5-415A-82C8-651F587B857A}"/>
+              </a:ext>
+            </a:extLst>
+          </p:cNvPr>
+          <p:cNvSpPr>
+            <a:spLocks noGrp="1"/>
+          </p:cNvSpPr>
+          <p:nvPr>
+            <p:ph type="body" idx="1"/>
           </p:nvPr>
         </p:nvSpPr>
         <p:spPr>
           <a:xfrm>
-            <a:off x="1167492" y="381000"/>
-            <a:ext cx="9779183" cy="1325563"/>
+            <a:off x="1167492" y="2653167"/>
+            <a:ext cx="9779183" cy="3436483"/>
           </a:xfrm>
         </p:spPr>
         <p:txBody>
-          <a:bodyPr/>
-          <a:lstStyle/>
-          <a:p>
-            <a:r>
-              <a:rPr lang="en-US" dirty="0"/>
-              <a:t>Agenda</a:t>
-            </a:r>
-          </a:p>
-        </p:txBody>
-      </p:sp>
-      <p:sp>
-        <p:nvSpPr>
-          <p:cNvPr id="3" name="Content Placeholder 2">
-            <a:extLst>
-              <a:ext uri="{FF2B5EF4-FFF2-40B4-BE49-F238E27FC236}">
-                <a16:creationId xmlns:a16="http://schemas.microsoft.com/office/drawing/2014/main" id="{22788C46-D0BC-4307-AE55-7601A139E7CB}"/>
-              </a:ext>
-            </a:extLst>
-          </p:cNvPr>
-          <p:cNvSpPr>
-            <a:spLocks noGrp="1"/>
-          </p:cNvSpPr>
-          <p:nvPr>
-            <p:ph idx="1"/>
-          </p:nvPr>
-        </p:nvSpPr>
-        <p:spPr>
-          <a:xfrm>
-            <a:off x="1167493" y="2017467"/>
-            <a:ext cx="9779182" cy="3366815"/>
-          </a:xfrm>
-        </p:spPr>
-        <p:txBody>
           <a:bodyPr vert="horz" lIns="91440" tIns="45720" rIns="91440" bIns="45720" rtlCol="0" anchor="t">
-            <a:normAutofit/>
+            <a:normAutofit fontScale="62500" lnSpcReduction="20000"/>
           </a:bodyPr>
           <a:lstStyle/>
           <a:p>
             <a:r>
-              <a:rPr lang="en-US" dirty="0"/>
-              <a:t>Primary Goals</a:t>
-            </a:r>
-          </a:p>
-          <a:p>
-            <a:r>
-              <a:rPr lang="en-US" dirty="0"/>
-              <a:t>Data / Methods</a:t>
-            </a:r>
-          </a:p>
-          <a:p>
-            <a:r>
-              <a:rPr lang="en-US" dirty="0"/>
-              <a:t>Plots</a:t>
-            </a:r>
-          </a:p>
-          <a:p>
-            <a:r>
-              <a:rPr lang="en-US" dirty="0"/>
-              <a:t>Analysis</a:t>
-            </a:r>
-          </a:p>
-          <a:p>
-            <a:r>
-              <a:rPr lang="en-US" dirty="0"/>
-              <a:t>Conclusion</a:t>
-            </a:r>
-          </a:p>
-          <a:p>
-            <a:endParaRPr lang="en-US" dirty="0"/>
+              <a:rPr lang="en-US" b="0" i="0" dirty="0">
+                <a:solidFill>
+                  <a:srgbClr val="353535"/>
+                </a:solidFill>
+                <a:effectLst/>
+                <a:latin typeface="Helvetica Neue"/>
+              </a:rPr>
+              <a:t>“Senate Intelligence Committee Chairman Richard Burr (R-N.C.), for example, co-authored an op-ed on February 7, 2020 in which he publicly reassured the American people that “the United States today is better prepared than ever before to face emerging public health threats, like the coronavirus.” At a private luncheon around that same time, however, Senator Burr warned attendees that the coronavirus “is much more aggressive in transmission than anything that we have seen in recent history . . . . It is probably more akin to the 1918 pandemic.”</a:t>
+            </a:r>
+            <a:r>
+              <a:rPr lang="en-US" b="0" i="0" dirty="0">
+                <a:solidFill>
+                  <a:srgbClr val="C69E23"/>
+                </a:solidFill>
+                <a:effectLst/>
+                <a:latin typeface="Helvetica Neue"/>
+              </a:rPr>
+              <a:t> </a:t>
+            </a:r>
+            <a:r>
+              <a:rPr lang="en-US" b="0" i="0" dirty="0">
+                <a:solidFill>
+                  <a:srgbClr val="353535"/>
+                </a:solidFill>
+                <a:effectLst/>
+                <a:latin typeface="Helvetica Neue"/>
+              </a:rPr>
+              <a:t> Acting on the beliefs expressed privately, the Senator picked up between $628,000 and $1.72 million in cash by dumping a large share of his personal holdings on February 13, the week before financial markets began to tank in response to worsening news about the spread of COVID-19.”</a:t>
+            </a:r>
+            <a:endParaRPr lang="en-US" b="0" i="0" u="none" strike="noStrike" dirty="0">
+              <a:solidFill>
+                <a:srgbClr val="C69E23"/>
+              </a:solidFill>
+              <a:effectLst/>
+              <a:latin typeface="Helvetica Neue"/>
+            </a:endParaRPr>
+          </a:p>
+          <a:p>
+            <a:r>
+              <a:rPr lang="en-US" dirty="0">
+                <a:solidFill>
+                  <a:schemeClr val="tx1"/>
+                </a:solidFill>
+                <a:latin typeface="Montserrat" panose="00000500000000000000" pitchFamily="2" charset="0"/>
+              </a:rPr>
+              <a:t>-Jacob Winton, (Wake Forest Law Review 21APR21)</a:t>
+            </a:r>
+            <a:endParaRPr lang="en-US" dirty="0">
+              <a:solidFill>
+                <a:schemeClr val="tx1"/>
+              </a:solidFill>
+            </a:endParaRPr>
           </a:p>
         </p:txBody>
       </p:sp>
@@ -13262,15 +15192,15 @@
           <p:cNvPr id="4" name="Date Placeholder 3">
             <a:extLst>
               <a:ext uri="{FF2B5EF4-FFF2-40B4-BE49-F238E27FC236}">
-                <a16:creationId xmlns:a16="http://schemas.microsoft.com/office/drawing/2014/main" id="{5739303D-13C0-6A41-947A-F998CC47B32E}"/>
-              </a:ext>
-            </a:extLst>
-          </p:cNvPr>
-          <p:cNvSpPr>
-            <a:spLocks noGrp="1"/>
-          </p:cNvSpPr>
-          <p:nvPr>
-            <p:ph type="dt" sz="half" idx="2"/>
+                <a16:creationId xmlns:a16="http://schemas.microsoft.com/office/drawing/2014/main" id="{DB056174-CBC5-7B48-9681-7DDAC423337E}"/>
+              </a:ext>
+            </a:extLst>
+          </p:cNvPr>
+          <p:cNvSpPr>
+            <a:spLocks noGrp="1"/>
+          </p:cNvSpPr>
+          <p:nvPr>
+            <p:ph type="dt" sz="half" idx="10"/>
           </p:nvPr>
         </p:nvSpPr>
         <p:spPr>
@@ -13283,7 +15213,7 @@
           <a:bodyPr/>
           <a:lstStyle/>
           <a:p>
-            <a:fld id="{495D8227-9DE4-4D42-8C1B-E10C828BC634}" type="datetime1">
+            <a:fld id="{E1707CF3-9BC4-A745-ACDA-A73543D800FE}" type="datetime1">
               <a:rPr lang="en-US" smtClean="0"/>
               <a:pPr/>
               <a:t>12/7/2022</a:t>
@@ -13294,57 +15224,24 @@
       </p:sp>
       <p:sp>
         <p:nvSpPr>
-          <p:cNvPr id="5" name="Footer Placeholder 4">
-            <a:extLst>
-              <a:ext uri="{FF2B5EF4-FFF2-40B4-BE49-F238E27FC236}">
-                <a16:creationId xmlns:a16="http://schemas.microsoft.com/office/drawing/2014/main" id="{6209FEB4-4C5C-EB43-9696-7B42453DB79B}"/>
-              </a:ext>
-            </a:extLst>
-          </p:cNvPr>
-          <p:cNvSpPr>
-            <a:spLocks noGrp="1"/>
-          </p:cNvSpPr>
-          <p:nvPr>
-            <p:ph type="ftr" sz="quarter" idx="3"/>
+          <p:cNvPr id="6" name="Slide Number Placeholder 5">
+            <a:extLst>
+              <a:ext uri="{FF2B5EF4-FFF2-40B4-BE49-F238E27FC236}">
+                <a16:creationId xmlns:a16="http://schemas.microsoft.com/office/drawing/2014/main" id="{134C72D2-EFDF-844A-8472-CB49A59B127B}"/>
+              </a:ext>
+            </a:extLst>
+          </p:cNvPr>
+          <p:cNvSpPr>
+            <a:spLocks noGrp="1"/>
+          </p:cNvSpPr>
+          <p:nvPr>
+            <p:ph type="sldNum" sz="quarter" idx="12"/>
           </p:nvPr>
         </p:nvSpPr>
         <p:spPr>
           <a:xfrm>
-            <a:off x="4038600" y="6356350"/>
-            <a:ext cx="4114800" cy="365125"/>
-          </a:xfrm>
-        </p:spPr>
-        <p:txBody>
-          <a:bodyPr/>
-          <a:lstStyle/>
-          <a:p>
-            <a:r>
-              <a:rPr lang="en-US" dirty="0"/>
-              <a:t>PRESENTATION TITLE</a:t>
-            </a:r>
-          </a:p>
-        </p:txBody>
-      </p:sp>
-      <p:sp>
-        <p:nvSpPr>
-          <p:cNvPr id="6" name="Slide Number Placeholder 5">
-            <a:extLst>
-              <a:ext uri="{FF2B5EF4-FFF2-40B4-BE49-F238E27FC236}">
-                <a16:creationId xmlns:a16="http://schemas.microsoft.com/office/drawing/2014/main" id="{60D470D0-6D64-5E42-9515-048F8779CD5E}"/>
-              </a:ext>
-            </a:extLst>
-          </p:cNvPr>
-          <p:cNvSpPr>
-            <a:spLocks noGrp="1"/>
-          </p:cNvSpPr>
-          <p:nvPr>
-            <p:ph type="sldNum" sz="quarter" idx="4"/>
-          </p:nvPr>
-        </p:nvSpPr>
-        <p:spPr>
-          <a:xfrm>
-            <a:off x="10153276" y="6356350"/>
-            <a:ext cx="1657723" cy="365125"/>
+            <a:off x="10206318" y="6356350"/>
+            <a:ext cx="1604682" cy="365125"/>
           </a:xfrm>
         </p:spPr>
         <p:txBody>
@@ -13363,7 +15260,7 @@
     </p:spTree>
     <p:extLst>
       <p:ext uri="{BB962C8B-B14F-4D97-AF65-F5344CB8AC3E}">
-        <p14:creationId xmlns:p14="http://schemas.microsoft.com/office/powerpoint/2010/main" val="1325608595"/>
+        <p14:creationId xmlns:p14="http://schemas.microsoft.com/office/powerpoint/2010/main" val="4003137633"/>
       </p:ext>
     </p:extLst>
   </p:cSld>
@@ -13395,21 +15292,21 @@
           <p:cNvPr id="2" name="Title 1">
             <a:extLst>
               <a:ext uri="{FF2B5EF4-FFF2-40B4-BE49-F238E27FC236}">
-                <a16:creationId xmlns:a16="http://schemas.microsoft.com/office/drawing/2014/main" id="{8460295B-54B9-4937-90E3-BAB9CE69E30B}"/>
-              </a:ext>
-            </a:extLst>
-          </p:cNvPr>
-          <p:cNvSpPr>
-            <a:spLocks noGrp="1"/>
-          </p:cNvSpPr>
-          <p:nvPr>
-            <p:ph type="ctrTitle"/>
+                <a16:creationId xmlns:a16="http://schemas.microsoft.com/office/drawing/2014/main" id="{912DF434-28DB-4621-A497-D62C41CE0419}"/>
+              </a:ext>
+            </a:extLst>
+          </p:cNvPr>
+          <p:cNvSpPr>
+            <a:spLocks noGrp="1"/>
+          </p:cNvSpPr>
+          <p:nvPr>
+            <p:ph type="title"/>
           </p:nvPr>
         </p:nvSpPr>
         <p:spPr>
           <a:xfrm>
-            <a:off x="1167494" y="1059400"/>
-            <a:ext cx="6245912" cy="2387600"/>
+            <a:off x="1167492" y="381000"/>
+            <a:ext cx="9779183" cy="1325563"/>
           </a:xfrm>
         </p:spPr>
         <p:txBody>
@@ -13418,31 +15315,31 @@
           <a:p>
             <a:r>
               <a:rPr lang="en-US" dirty="0"/>
-              <a:t>Primary goals</a:t>
-            </a:r>
-          </a:p>
-        </p:txBody>
-      </p:sp>
-      <p:sp>
-        <p:nvSpPr>
-          <p:cNvPr id="4" name="Text Placeholder 3">
-            <a:extLst>
-              <a:ext uri="{FF2B5EF4-FFF2-40B4-BE49-F238E27FC236}">
-                <a16:creationId xmlns:a16="http://schemas.microsoft.com/office/drawing/2014/main" id="{D51A6D85-3837-435F-A342-5A3F98172B12}"/>
-              </a:ext>
-            </a:extLst>
-          </p:cNvPr>
-          <p:cNvSpPr>
-            <a:spLocks noGrp="1"/>
-          </p:cNvSpPr>
-          <p:nvPr>
-            <p:ph type="subTitle" idx="1"/>
+              <a:t>Agenda</a:t>
+            </a:r>
+          </a:p>
+        </p:txBody>
+      </p:sp>
+      <p:sp>
+        <p:nvSpPr>
+          <p:cNvPr id="3" name="Content Placeholder 2">
+            <a:extLst>
+              <a:ext uri="{FF2B5EF4-FFF2-40B4-BE49-F238E27FC236}">
+                <a16:creationId xmlns:a16="http://schemas.microsoft.com/office/drawing/2014/main" id="{22788C46-D0BC-4307-AE55-7601A139E7CB}"/>
+              </a:ext>
+            </a:extLst>
+          </p:cNvPr>
+          <p:cNvSpPr>
+            <a:spLocks noGrp="1"/>
+          </p:cNvSpPr>
+          <p:nvPr>
+            <p:ph idx="1"/>
           </p:nvPr>
         </p:nvSpPr>
         <p:spPr>
           <a:xfrm>
-            <a:off x="1167494" y="3539075"/>
-            <a:ext cx="6245912" cy="1406101"/>
+            <a:off x="1167493" y="2017467"/>
+            <a:ext cx="9779182" cy="3366815"/>
           </a:xfrm>
         </p:spPr>
         <p:txBody>
@@ -13453,14 +15350,110 @@
           <a:p>
             <a:r>
               <a:rPr lang="en-US" dirty="0"/>
-              <a:t>Analyze Stock Trading Volume</a:t>
-            </a:r>
-          </a:p>
-          <a:p>
-            <a:r>
-              <a:rPr lang="en-US"/>
-              <a:t>Incorporate Voting Days</a:t>
-            </a:r>
+              <a:t>Research Question</a:t>
+            </a:r>
+          </a:p>
+          <a:p>
+            <a:r>
+              <a:rPr lang="en-US" dirty="0"/>
+              <a:t>Data / Methods</a:t>
+            </a:r>
+          </a:p>
+          <a:p>
+            <a:r>
+              <a:rPr lang="en-US" dirty="0"/>
+              <a:t>Plots</a:t>
+            </a:r>
+          </a:p>
+          <a:p>
+            <a:r>
+              <a:rPr lang="en-US" dirty="0"/>
+              <a:t>Analysis / Path Forward</a:t>
+            </a:r>
+          </a:p>
+          <a:p>
+            <a:r>
+              <a:rPr lang="en-US" dirty="0"/>
+              <a:t>Challenges</a:t>
+            </a:r>
+          </a:p>
+          <a:p>
+            <a:r>
+              <a:rPr lang="en-US" dirty="0"/>
+              <a:t>Conclusion</a:t>
+            </a:r>
+          </a:p>
+          <a:p>
+            <a:endParaRPr lang="en-US" dirty="0"/>
+          </a:p>
+        </p:txBody>
+      </p:sp>
+      <p:sp>
+        <p:nvSpPr>
+          <p:cNvPr id="4" name="Date Placeholder 3">
+            <a:extLst>
+              <a:ext uri="{FF2B5EF4-FFF2-40B4-BE49-F238E27FC236}">
+                <a16:creationId xmlns:a16="http://schemas.microsoft.com/office/drawing/2014/main" id="{5739303D-13C0-6A41-947A-F998CC47B32E}"/>
+              </a:ext>
+            </a:extLst>
+          </p:cNvPr>
+          <p:cNvSpPr>
+            <a:spLocks noGrp="1"/>
+          </p:cNvSpPr>
+          <p:nvPr>
+            <p:ph type="dt" sz="half" idx="2"/>
+          </p:nvPr>
+        </p:nvSpPr>
+        <p:spPr>
+          <a:xfrm>
+            <a:off x="381000" y="6356350"/>
+            <a:ext cx="2743200" cy="365125"/>
+          </a:xfrm>
+        </p:spPr>
+        <p:txBody>
+          <a:bodyPr/>
+          <a:lstStyle/>
+          <a:p>
+            <a:fld id="{495D8227-9DE4-4D42-8C1B-E10C828BC634}" type="datetime1">
+              <a:rPr lang="en-US" smtClean="0"/>
+              <a:pPr/>
+              <a:t>12/7/2022</a:t>
+            </a:fld>
+            <a:endParaRPr lang="en-US" dirty="0"/>
+          </a:p>
+        </p:txBody>
+      </p:sp>
+      <p:sp>
+        <p:nvSpPr>
+          <p:cNvPr id="6" name="Slide Number Placeholder 5">
+            <a:extLst>
+              <a:ext uri="{FF2B5EF4-FFF2-40B4-BE49-F238E27FC236}">
+                <a16:creationId xmlns:a16="http://schemas.microsoft.com/office/drawing/2014/main" id="{60D470D0-6D64-5E42-9515-048F8779CD5E}"/>
+              </a:ext>
+            </a:extLst>
+          </p:cNvPr>
+          <p:cNvSpPr>
+            <a:spLocks noGrp="1"/>
+          </p:cNvSpPr>
+          <p:nvPr>
+            <p:ph type="sldNum" sz="quarter" idx="4"/>
+          </p:nvPr>
+        </p:nvSpPr>
+        <p:spPr>
+          <a:xfrm>
+            <a:off x="10153276" y="6356350"/>
+            <a:ext cx="1657723" cy="365125"/>
+          </a:xfrm>
+        </p:spPr>
+        <p:txBody>
+          <a:bodyPr/>
+          <a:lstStyle/>
+          <a:p>
+            <a:fld id="{294A09A9-5501-47C1-A89A-A340965A2BE2}" type="slidenum">
+              <a:rPr lang="en-US" smtClean="0"/>
+              <a:pPr/>
+              <a:t>4</a:t>
+            </a:fld>
             <a:endParaRPr lang="en-US" dirty="0"/>
           </a:p>
         </p:txBody>
@@ -13468,7 +15461,7 @@
     </p:spTree>
     <p:extLst>
       <p:ext uri="{BB962C8B-B14F-4D97-AF65-F5344CB8AC3E}">
-        <p14:creationId xmlns:p14="http://schemas.microsoft.com/office/powerpoint/2010/main" val="3446797337"/>
+        <p14:creationId xmlns:p14="http://schemas.microsoft.com/office/powerpoint/2010/main" val="1325608595"/>
       </p:ext>
     </p:extLst>
   </p:cSld>
@@ -13500,216 +15493,65 @@
           <p:cNvPr id="2" name="Title 1">
             <a:extLst>
               <a:ext uri="{FF2B5EF4-FFF2-40B4-BE49-F238E27FC236}">
-                <a16:creationId xmlns:a16="http://schemas.microsoft.com/office/drawing/2014/main" id="{D543047E-FBFD-4F79-BCA5-10E69740F030}"/>
-              </a:ext>
-            </a:extLst>
-          </p:cNvPr>
-          <p:cNvSpPr>
-            <a:spLocks noGrp="1"/>
-          </p:cNvSpPr>
-          <p:nvPr>
-            <p:ph type="title"/>
-          </p:nvPr>
-        </p:nvSpPr>
-        <p:spPr/>
+                <a16:creationId xmlns:a16="http://schemas.microsoft.com/office/drawing/2014/main" id="{8460295B-54B9-4937-90E3-BAB9CE69E30B}"/>
+              </a:ext>
+            </a:extLst>
+          </p:cNvPr>
+          <p:cNvSpPr>
+            <a:spLocks noGrp="1"/>
+          </p:cNvSpPr>
+          <p:nvPr>
+            <p:ph type="ctrTitle"/>
+          </p:nvPr>
+        </p:nvSpPr>
+        <p:spPr>
+          <a:xfrm>
+            <a:off x="1167494" y="1059400"/>
+            <a:ext cx="6245912" cy="2387600"/>
+          </a:xfrm>
+        </p:spPr>
         <p:txBody>
           <a:bodyPr/>
           <a:lstStyle/>
           <a:p>
             <a:r>
               <a:rPr lang="en-US" dirty="0"/>
-              <a:t>Data / Methods</a:t>
-            </a:r>
-          </a:p>
-        </p:txBody>
-      </p:sp>
-      <p:sp>
-        <p:nvSpPr>
-          <p:cNvPr id="3" name="Date Placeholder 2">
-            <a:extLst>
-              <a:ext uri="{FF2B5EF4-FFF2-40B4-BE49-F238E27FC236}">
-                <a16:creationId xmlns:a16="http://schemas.microsoft.com/office/drawing/2014/main" id="{6DB30D50-1377-244D-A1A4-32FB836C1F3A}"/>
-              </a:ext>
-            </a:extLst>
-          </p:cNvPr>
-          <p:cNvSpPr>
-            <a:spLocks noGrp="1"/>
-          </p:cNvSpPr>
-          <p:nvPr>
-            <p:ph type="dt" sz="half" idx="2"/>
-          </p:nvPr>
-        </p:nvSpPr>
-        <p:spPr/>
-        <p:txBody>
-          <a:bodyPr/>
-          <a:lstStyle/>
-          <a:p>
-            <a:fld id="{C098A06B-52D8-C143-AE54-C8C950480C5A}" type="datetime1">
-              <a:rPr lang="en-US" smtClean="0"/>
-              <a:t>12/7/2022</a:t>
-            </a:fld>
-            <a:endParaRPr lang="en-US" dirty="0"/>
-          </a:p>
-        </p:txBody>
-      </p:sp>
-      <p:sp>
-        <p:nvSpPr>
-          <p:cNvPr id="5" name="Footer Placeholder 4">
-            <a:extLst>
-              <a:ext uri="{FF2B5EF4-FFF2-40B4-BE49-F238E27FC236}">
-                <a16:creationId xmlns:a16="http://schemas.microsoft.com/office/drawing/2014/main" id="{AA926C73-F226-914E-AC56-BF3172765F9F}"/>
-              </a:ext>
-            </a:extLst>
-          </p:cNvPr>
-          <p:cNvSpPr>
-            <a:spLocks noGrp="1"/>
-          </p:cNvSpPr>
-          <p:nvPr>
-            <p:ph type="ftr" sz="quarter" idx="3"/>
-          </p:nvPr>
-        </p:nvSpPr>
-        <p:spPr/>
-        <p:txBody>
-          <a:bodyPr/>
-          <a:lstStyle/>
-          <a:p>
-            <a:r>
-              <a:rPr lang="en-US" dirty="0"/>
-              <a:t>PRESENTATION TITLE</a:t>
-            </a:r>
-          </a:p>
-        </p:txBody>
-      </p:sp>
-      <p:sp>
-        <p:nvSpPr>
-          <p:cNvPr id="7" name="Slide Number Placeholder 6">
-            <a:extLst>
-              <a:ext uri="{FF2B5EF4-FFF2-40B4-BE49-F238E27FC236}">
-                <a16:creationId xmlns:a16="http://schemas.microsoft.com/office/drawing/2014/main" id="{50A86E01-62BB-5145-A6C3-515717DD327C}"/>
-              </a:ext>
-            </a:extLst>
-          </p:cNvPr>
-          <p:cNvSpPr>
-            <a:spLocks noGrp="1"/>
-          </p:cNvSpPr>
-          <p:nvPr>
-            <p:ph type="sldNum" sz="quarter" idx="4"/>
-          </p:nvPr>
-        </p:nvSpPr>
-        <p:spPr/>
-        <p:txBody>
-          <a:bodyPr/>
-          <a:lstStyle/>
-          <a:p>
-            <a:fld id="{294A09A9-5501-47C1-A89A-A340965A2BE2}" type="slidenum">
-              <a:rPr lang="en-US" smtClean="0"/>
-              <a:pPr/>
-              <a:t>5</a:t>
-            </a:fld>
-            <a:endParaRPr lang="en-US" dirty="0"/>
-          </a:p>
-        </p:txBody>
-      </p:sp>
-      <p:sp>
-        <p:nvSpPr>
-          <p:cNvPr id="9" name="Content Placeholder 8">
-            <a:extLst>
-              <a:ext uri="{FF2B5EF4-FFF2-40B4-BE49-F238E27FC236}">
-                <a16:creationId xmlns:a16="http://schemas.microsoft.com/office/drawing/2014/main" id="{511FB8E1-C934-4EC6-ABB9-DC0926BC30B1}"/>
-              </a:ext>
-            </a:extLst>
-          </p:cNvPr>
-          <p:cNvSpPr>
-            <a:spLocks noGrp="1"/>
-          </p:cNvSpPr>
-          <p:nvPr>
-            <p:ph idx="1"/>
+              <a:t>Research Question</a:t>
+            </a:r>
+          </a:p>
+        </p:txBody>
+      </p:sp>
+      <p:sp>
+        <p:nvSpPr>
+          <p:cNvPr id="4" name="Text Placeholder 3">
+            <a:extLst>
+              <a:ext uri="{FF2B5EF4-FFF2-40B4-BE49-F238E27FC236}">
+                <a16:creationId xmlns:a16="http://schemas.microsoft.com/office/drawing/2014/main" id="{D51A6D85-3837-435F-A342-5A3F98172B12}"/>
+              </a:ext>
+            </a:extLst>
+          </p:cNvPr>
+          <p:cNvSpPr>
+            <a:spLocks noGrp="1"/>
+          </p:cNvSpPr>
+          <p:nvPr>
+            <p:ph type="subTitle" idx="1"/>
           </p:nvPr>
         </p:nvSpPr>
         <p:spPr>
           <a:xfrm>
-            <a:off x="1202955" y="1745592"/>
-            <a:ext cx="9779182" cy="3366815"/>
+            <a:off x="1167494" y="3539075"/>
+            <a:ext cx="6245912" cy="1406101"/>
           </a:xfrm>
         </p:spPr>
         <p:txBody>
-          <a:bodyPr/>
+          <a:bodyPr vert="horz" lIns="91440" tIns="45720" rIns="91440" bIns="45720" rtlCol="0" anchor="t">
+            <a:normAutofit fontScale="85000" lnSpcReduction="20000"/>
+          </a:bodyPr>
           <a:lstStyle/>
           <a:p>
-            <a:pPr marL="457200" indent="-457200">
-              <a:buFont typeface="Arial" panose="020B0604020202020204" pitchFamily="34" charset="0"/>
-              <a:buChar char="•"/>
-            </a:pPr>
             <a:r>
               <a:rPr lang="en-US" dirty="0"/>
-              <a:t>Stock Data</a:t>
-            </a:r>
-          </a:p>
-          <a:p>
-            <a:pPr marL="914400" lvl="1" indent="-457200">
-              <a:buFont typeface="Arial" panose="020B0604020202020204" pitchFamily="34" charset="0"/>
-              <a:buChar char="•"/>
-            </a:pPr>
-            <a:r>
-              <a:rPr lang="en-US" dirty="0"/>
-              <a:t>Congressional Representatives are required by law to register their stock trades, both owned individually and jointly</a:t>
-            </a:r>
-          </a:p>
-          <a:p>
-            <a:pPr marL="914400" lvl="1" indent="-457200">
-              <a:buFont typeface="Arial" panose="020B0604020202020204" pitchFamily="34" charset="0"/>
-              <a:buChar char="•"/>
-            </a:pPr>
-            <a:r>
-              <a:rPr lang="en-US" dirty="0"/>
-              <a:t>This data is tracked and can be found </a:t>
-            </a:r>
-            <a:r>
-              <a:rPr lang="en-US" dirty="0">
-                <a:hlinkClick r:id="rId2"/>
-              </a:rPr>
-              <a:t>here</a:t>
-            </a:r>
-            <a:r>
-              <a:rPr lang="en-US" dirty="0"/>
-              <a:t>.</a:t>
-            </a:r>
-          </a:p>
-          <a:p>
-            <a:pPr marL="457200" indent="-457200">
-              <a:buFont typeface="Arial" panose="020B0604020202020204" pitchFamily="34" charset="0"/>
-              <a:buChar char="•"/>
-            </a:pPr>
-            <a:r>
-              <a:rPr lang="en-US" dirty="0"/>
-              <a:t>Voting Data</a:t>
-            </a:r>
-          </a:p>
-          <a:p>
-            <a:pPr marL="914400" lvl="1" indent="-457200">
-              <a:buFont typeface="Arial" panose="020B0604020202020204" pitchFamily="34" charset="0"/>
-              <a:buChar char="•"/>
-            </a:pPr>
-            <a:r>
-              <a:rPr lang="en-US" dirty="0"/>
-              <a:t>All voting data for the house of Representatives can be found </a:t>
-            </a:r>
-            <a:r>
-              <a:rPr lang="en-US" dirty="0">
-                <a:hlinkClick r:id="rId3"/>
-              </a:rPr>
-              <a:t>here</a:t>
-            </a:r>
-            <a:endParaRPr lang="en-US" dirty="0"/>
-          </a:p>
-          <a:p>
-            <a:pPr marL="914400" lvl="1" indent="-457200">
-              <a:buFont typeface="Arial" panose="020B0604020202020204" pitchFamily="34" charset="0"/>
-              <a:buChar char="•"/>
-            </a:pPr>
-            <a:r>
-              <a:rPr lang="en-US" dirty="0"/>
-              <a:t>Voting records go back to 1789</a:t>
+              <a:t>What is the relationship between stock trading / portfolio performance in House of Representatives leading up to Bill Passage Votes?</a:t>
             </a:r>
           </a:p>
         </p:txBody>
@@ -13717,7 +15559,7 @@
     </p:spTree>
     <p:extLst>
       <p:ext uri="{BB962C8B-B14F-4D97-AF65-F5344CB8AC3E}">
-        <p14:creationId xmlns:p14="http://schemas.microsoft.com/office/powerpoint/2010/main" val="1527386939"/>
+        <p14:creationId xmlns:p14="http://schemas.microsoft.com/office/powerpoint/2010/main" val="3446797337"/>
       </p:ext>
     </p:extLst>
   </p:cSld>
@@ -13803,34 +15645,6 @@
       </p:sp>
       <p:sp>
         <p:nvSpPr>
-          <p:cNvPr id="5" name="Footer Placeholder 4">
-            <a:extLst>
-              <a:ext uri="{FF2B5EF4-FFF2-40B4-BE49-F238E27FC236}">
-                <a16:creationId xmlns:a16="http://schemas.microsoft.com/office/drawing/2014/main" id="{AA926C73-F226-914E-AC56-BF3172765F9F}"/>
-              </a:ext>
-            </a:extLst>
-          </p:cNvPr>
-          <p:cNvSpPr>
-            <a:spLocks noGrp="1"/>
-          </p:cNvSpPr>
-          <p:nvPr>
-            <p:ph type="ftr" sz="quarter" idx="3"/>
-          </p:nvPr>
-        </p:nvSpPr>
-        <p:spPr/>
-        <p:txBody>
-          <a:bodyPr/>
-          <a:lstStyle/>
-          <a:p>
-            <a:r>
-              <a:rPr lang="en-US" dirty="0"/>
-              <a:t>PRESENTATION TITLE</a:t>
-            </a:r>
-          </a:p>
-        </p:txBody>
-      </p:sp>
-      <p:sp>
-        <p:nvSpPr>
           <p:cNvPr id="7" name="Slide Number Placeholder 6">
             <a:extLst>
               <a:ext uri="{FF2B5EF4-FFF2-40B4-BE49-F238E27FC236}">
@@ -13889,14 +15703,622 @@
               <a:buFont typeface="Arial" panose="020B0604020202020204" pitchFamily="34" charset="0"/>
               <a:buChar char="•"/>
             </a:pPr>
+            <a:r>
+              <a:rPr lang="en-US" dirty="0"/>
+              <a:t>Stock Data</a:t>
+            </a:r>
+          </a:p>
+          <a:p>
+            <a:pPr marL="914400" lvl="1" indent="-457200">
+              <a:buFont typeface="Arial" panose="020B0604020202020204" pitchFamily="34" charset="0"/>
+              <a:buChar char="•"/>
+            </a:pPr>
+            <a:r>
+              <a:rPr lang="en-US" dirty="0"/>
+              <a:t>Congressional Representatives are required by law to register their stock trades, both owned individually and jointly</a:t>
+            </a:r>
+          </a:p>
+          <a:p>
+            <a:pPr marL="914400" lvl="1" indent="-457200">
+              <a:buFont typeface="Arial" panose="020B0604020202020204" pitchFamily="34" charset="0"/>
+              <a:buChar char="•"/>
+            </a:pPr>
+            <a:r>
+              <a:rPr lang="en-US" dirty="0"/>
+              <a:t>This data is tracked and can be found </a:t>
+            </a:r>
+            <a:r>
+              <a:rPr lang="en-US" dirty="0">
+                <a:hlinkClick r:id="rId2"/>
+              </a:rPr>
+              <a:t>here</a:t>
+            </a:r>
+            <a:r>
+              <a:rPr lang="en-US" dirty="0"/>
+              <a:t>.</a:t>
+            </a:r>
+          </a:p>
+          <a:p>
+            <a:pPr marL="914400" lvl="1" indent="-457200">
+              <a:buFont typeface="Arial" panose="020B0604020202020204" pitchFamily="34" charset="0"/>
+              <a:buChar char="•"/>
+            </a:pPr>
+            <a:r>
+              <a:rPr lang="en-US" dirty="0"/>
+              <a:t>15929 x 12 cleaned to 14588 x 7</a:t>
+            </a:r>
+          </a:p>
+          <a:p>
+            <a:pPr marL="457200" indent="-457200">
+              <a:buFont typeface="Arial" panose="020B0604020202020204" pitchFamily="34" charset="0"/>
+              <a:buChar char="•"/>
+            </a:pPr>
+            <a:r>
+              <a:rPr lang="en-US" dirty="0"/>
+              <a:t>Voting Data</a:t>
+            </a:r>
+          </a:p>
+          <a:p>
+            <a:pPr marL="914400" lvl="1" indent="-457200">
+              <a:buFont typeface="Arial" panose="020B0604020202020204" pitchFamily="34" charset="0"/>
+              <a:buChar char="•"/>
+            </a:pPr>
+            <a:r>
+              <a:rPr lang="en-US" dirty="0"/>
+              <a:t>All voting data for the house of Representatives can be found </a:t>
+            </a:r>
+            <a:r>
+              <a:rPr lang="en-US" dirty="0">
+                <a:hlinkClick r:id="rId3"/>
+              </a:rPr>
+              <a:t>here</a:t>
+            </a:r>
             <a:endParaRPr lang="en-US" dirty="0"/>
           </a:p>
-        </p:txBody>
-      </p:sp>
+          <a:p>
+            <a:pPr marL="914400" lvl="1" indent="-457200">
+              <a:buFont typeface="Arial" panose="020B0604020202020204" pitchFamily="34" charset="0"/>
+              <a:buChar char="•"/>
+            </a:pPr>
+            <a:r>
+              <a:rPr lang="en-US" dirty="0"/>
+              <a:t>Interested in “On Passage” votes only</a:t>
+            </a:r>
+          </a:p>
+          <a:p>
+            <a:pPr marL="914400" lvl="1" indent="-457200">
+              <a:buFont typeface="Arial" panose="020B0604020202020204" pitchFamily="34" charset="0"/>
+              <a:buChar char="•"/>
+            </a:pPr>
+            <a:r>
+              <a:rPr lang="en-US" dirty="0"/>
+              <a:t>Voting records go back to 1789</a:t>
+            </a:r>
+          </a:p>
+          <a:p>
+            <a:pPr marL="914400" lvl="1" indent="-457200">
+              <a:buFont typeface="Arial" panose="020B0604020202020204" pitchFamily="34" charset="0"/>
+              <a:buChar char="•"/>
+            </a:pPr>
+            <a:r>
+              <a:rPr lang="en-US" dirty="0"/>
+              <a:t>57879 x 18 cleaned to 275 x 5</a:t>
+            </a:r>
+          </a:p>
+        </p:txBody>
+      </p:sp>
+    </p:spTree>
+    <p:extLst>
+      <p:ext uri="{BB962C8B-B14F-4D97-AF65-F5344CB8AC3E}">
+        <p14:creationId xmlns:p14="http://schemas.microsoft.com/office/powerpoint/2010/main" val="1527386939"/>
+      </p:ext>
+    </p:extLst>
+  </p:cSld>
+  <p:clrMapOvr>
+    <a:masterClrMapping/>
+  </p:clrMapOvr>
+</p:sld>
+</file>
+
+<file path=ppt/slides/slide7.xml><?xml version="1.0" encoding="utf-8"?>
+<p:sld xmlns:a="http://schemas.openxmlformats.org/drawingml/2006/main" xmlns:r="http://schemas.openxmlformats.org/officeDocument/2006/relationships" xmlns:p="http://schemas.openxmlformats.org/presentationml/2006/main">
+  <p:cSld>
+    <p:spTree>
+      <p:nvGrpSpPr>
+        <p:cNvPr id="1" name=""/>
+        <p:cNvGrpSpPr/>
+        <p:nvPr/>
+      </p:nvGrpSpPr>
+      <p:grpSpPr>
+        <a:xfrm>
+          <a:off x="0" y="0"/>
+          <a:ext cx="0" cy="0"/>
+          <a:chOff x="0" y="0"/>
+          <a:chExt cx="0" cy="0"/>
+        </a:xfrm>
+      </p:grpSpPr>
+      <p:sp>
+        <p:nvSpPr>
+          <p:cNvPr id="2" name="Title 1">
+            <a:extLst>
+              <a:ext uri="{FF2B5EF4-FFF2-40B4-BE49-F238E27FC236}">
+                <a16:creationId xmlns:a16="http://schemas.microsoft.com/office/drawing/2014/main" id="{D543047E-FBFD-4F79-BCA5-10E69740F030}"/>
+              </a:ext>
+            </a:extLst>
+          </p:cNvPr>
+          <p:cNvSpPr>
+            <a:spLocks noGrp="1"/>
+          </p:cNvSpPr>
+          <p:nvPr>
+            <p:ph type="title"/>
+          </p:nvPr>
+        </p:nvSpPr>
+        <p:spPr/>
+        <p:txBody>
+          <a:bodyPr/>
+          <a:lstStyle/>
+          <a:p>
+            <a:r>
+              <a:rPr lang="en-US" dirty="0"/>
+              <a:t>Data / Methods</a:t>
+            </a:r>
+          </a:p>
+        </p:txBody>
+      </p:sp>
+      <p:sp>
+        <p:nvSpPr>
+          <p:cNvPr id="3" name="Date Placeholder 2">
+            <a:extLst>
+              <a:ext uri="{FF2B5EF4-FFF2-40B4-BE49-F238E27FC236}">
+                <a16:creationId xmlns:a16="http://schemas.microsoft.com/office/drawing/2014/main" id="{6DB30D50-1377-244D-A1A4-32FB836C1F3A}"/>
+              </a:ext>
+            </a:extLst>
+          </p:cNvPr>
+          <p:cNvSpPr>
+            <a:spLocks noGrp="1"/>
+          </p:cNvSpPr>
+          <p:nvPr>
+            <p:ph type="dt" sz="half" idx="2"/>
+          </p:nvPr>
+        </p:nvSpPr>
+        <p:spPr/>
+        <p:txBody>
+          <a:bodyPr/>
+          <a:lstStyle/>
+          <a:p>
+            <a:fld id="{C098A06B-52D8-C143-AE54-C8C950480C5A}" type="datetime1">
+              <a:rPr lang="en-US" smtClean="0"/>
+              <a:t>12/7/2022</a:t>
+            </a:fld>
+            <a:endParaRPr lang="en-US" dirty="0"/>
+          </a:p>
+        </p:txBody>
+      </p:sp>
+      <p:sp>
+        <p:nvSpPr>
+          <p:cNvPr id="7" name="Slide Number Placeholder 6">
+            <a:extLst>
+              <a:ext uri="{FF2B5EF4-FFF2-40B4-BE49-F238E27FC236}">
+                <a16:creationId xmlns:a16="http://schemas.microsoft.com/office/drawing/2014/main" id="{50A86E01-62BB-5145-A6C3-515717DD327C}"/>
+              </a:ext>
+            </a:extLst>
+          </p:cNvPr>
+          <p:cNvSpPr>
+            <a:spLocks noGrp="1"/>
+          </p:cNvSpPr>
+          <p:nvPr>
+            <p:ph type="sldNum" sz="quarter" idx="4"/>
+          </p:nvPr>
+        </p:nvSpPr>
+        <p:spPr/>
+        <p:txBody>
+          <a:bodyPr/>
+          <a:lstStyle/>
+          <a:p>
+            <a:fld id="{294A09A9-5501-47C1-A89A-A340965A2BE2}" type="slidenum">
+              <a:rPr lang="en-US" smtClean="0"/>
+              <a:pPr/>
+              <a:t>7</a:t>
+            </a:fld>
+            <a:endParaRPr lang="en-US" dirty="0"/>
+          </a:p>
+        </p:txBody>
+      </p:sp>
+      <p:pic>
+        <p:nvPicPr>
+          <p:cNvPr id="6" name="Content Placeholder 5" descr="Text&#10;&#10;Description automatically generated">
+            <a:extLst>
+              <a:ext uri="{FF2B5EF4-FFF2-40B4-BE49-F238E27FC236}">
+                <a16:creationId xmlns:a16="http://schemas.microsoft.com/office/drawing/2014/main" id="{5F1A8137-32D1-DC2A-54FA-6AC43C763B23}"/>
+              </a:ext>
+            </a:extLst>
+          </p:cNvPr>
+          <p:cNvPicPr>
+            <a:picLocks noGrp="1" noChangeAspect="1"/>
+          </p:cNvPicPr>
+          <p:nvPr>
+            <p:ph idx="1"/>
+          </p:nvPr>
+        </p:nvPicPr>
+        <p:blipFill>
+          <a:blip r:embed="rId2"/>
+          <a:stretch>
+            <a:fillRect/>
+          </a:stretch>
+        </p:blipFill>
+        <p:spPr>
+          <a:xfrm>
+            <a:off x="6434253" y="1804273"/>
+            <a:ext cx="4832517" cy="3755346"/>
+          </a:xfrm>
+        </p:spPr>
+      </p:pic>
+      <p:pic>
+        <p:nvPicPr>
+          <p:cNvPr id="10" name="Picture 9" descr="A screenshot of a computer&#10;&#10;Description automatically generated with medium confidence">
+            <a:extLst>
+              <a:ext uri="{FF2B5EF4-FFF2-40B4-BE49-F238E27FC236}">
+                <a16:creationId xmlns:a16="http://schemas.microsoft.com/office/drawing/2014/main" id="{A338C4B8-7457-AF1D-0F68-02D47CBE011D}"/>
+              </a:ext>
+            </a:extLst>
+          </p:cNvPr>
+          <p:cNvPicPr>
+            <a:picLocks noChangeAspect="1"/>
+          </p:cNvPicPr>
+          <p:nvPr/>
+        </p:nvPicPr>
+        <p:blipFill>
+          <a:blip r:embed="rId3"/>
+          <a:stretch>
+            <a:fillRect/>
+          </a:stretch>
+        </p:blipFill>
+        <p:spPr>
+          <a:xfrm>
+            <a:off x="471934" y="1804272"/>
+            <a:ext cx="4985052" cy="3249456"/>
+          </a:xfrm>
+          <a:prstGeom prst="rect">
+            <a:avLst/>
+          </a:prstGeom>
+        </p:spPr>
+      </p:pic>
     </p:spTree>
     <p:extLst>
       <p:ext uri="{BB962C8B-B14F-4D97-AF65-F5344CB8AC3E}">
         <p14:creationId xmlns:p14="http://schemas.microsoft.com/office/powerpoint/2010/main" val="2750236194"/>
+      </p:ext>
+    </p:extLst>
+  </p:cSld>
+  <p:clrMapOvr>
+    <a:masterClrMapping/>
+  </p:clrMapOvr>
+</p:sld>
+</file>
+
+<file path=ppt/slides/slide8.xml><?xml version="1.0" encoding="utf-8"?>
+<p:sld xmlns:a="http://schemas.openxmlformats.org/drawingml/2006/main" xmlns:r="http://schemas.openxmlformats.org/officeDocument/2006/relationships" xmlns:p="http://schemas.openxmlformats.org/presentationml/2006/main">
+  <p:cSld>
+    <p:spTree>
+      <p:nvGrpSpPr>
+        <p:cNvPr id="1" name=""/>
+        <p:cNvGrpSpPr/>
+        <p:nvPr/>
+      </p:nvGrpSpPr>
+      <p:grpSpPr>
+        <a:xfrm>
+          <a:off x="0" y="0"/>
+          <a:ext cx="0" cy="0"/>
+          <a:chOff x="0" y="0"/>
+          <a:chExt cx="0" cy="0"/>
+        </a:xfrm>
+      </p:grpSpPr>
+      <p:sp>
+        <p:nvSpPr>
+          <p:cNvPr id="2" name="Title 1">
+            <a:extLst>
+              <a:ext uri="{FF2B5EF4-FFF2-40B4-BE49-F238E27FC236}">
+                <a16:creationId xmlns:a16="http://schemas.microsoft.com/office/drawing/2014/main" id="{23F54DC4-4897-F9D8-C7F8-B43212CCEFD2}"/>
+              </a:ext>
+            </a:extLst>
+          </p:cNvPr>
+          <p:cNvSpPr>
+            <a:spLocks noGrp="1"/>
+          </p:cNvSpPr>
+          <p:nvPr>
+            <p:ph type="title"/>
+          </p:nvPr>
+        </p:nvSpPr>
+        <p:spPr/>
+        <p:txBody>
+          <a:bodyPr/>
+          <a:lstStyle/>
+          <a:p>
+            <a:r>
+              <a:rPr lang="en-US" dirty="0"/>
+              <a:t>Data / Methods</a:t>
+            </a:r>
+          </a:p>
+        </p:txBody>
+      </p:sp>
+      <p:sp>
+        <p:nvSpPr>
+          <p:cNvPr id="3" name="Content Placeholder 2">
+            <a:extLst>
+              <a:ext uri="{FF2B5EF4-FFF2-40B4-BE49-F238E27FC236}">
+                <a16:creationId xmlns:a16="http://schemas.microsoft.com/office/drawing/2014/main" id="{30CF0BBC-FC68-D8D1-74A2-17316658342D}"/>
+              </a:ext>
+            </a:extLst>
+          </p:cNvPr>
+          <p:cNvSpPr>
+            <a:spLocks noGrp="1"/>
+          </p:cNvSpPr>
+          <p:nvPr>
+            <p:ph idx="1"/>
+          </p:nvPr>
+        </p:nvSpPr>
+        <p:spPr/>
+        <p:txBody>
+          <a:bodyPr/>
+          <a:lstStyle/>
+          <a:p>
+            <a:pPr marL="457200" indent="-457200">
+              <a:buFont typeface="Arial" panose="020B0604020202020204" pitchFamily="34" charset="0"/>
+              <a:buChar char="•"/>
+            </a:pPr>
+            <a:r>
+              <a:rPr lang="en-US" dirty="0"/>
+              <a:t>ID Trading Volume by Day Statistics</a:t>
+            </a:r>
+          </a:p>
+          <a:p>
+            <a:pPr marL="914400" lvl="1" indent="-457200">
+              <a:buFont typeface="Arial" panose="020B0604020202020204" pitchFamily="34" charset="0"/>
+              <a:buChar char="•"/>
+            </a:pPr>
+            <a:r>
+              <a:rPr lang="en-US" dirty="0">
+                <a:highlight>
+                  <a:srgbClr val="FFFF00"/>
+                </a:highlight>
+              </a:rPr>
+              <a:t>Mean = 15.89</a:t>
+            </a:r>
+          </a:p>
+          <a:p>
+            <a:pPr marL="914400" lvl="1" indent="-457200">
+              <a:buFont typeface="Arial" panose="020B0604020202020204" pitchFamily="34" charset="0"/>
+              <a:buChar char="•"/>
+            </a:pPr>
+            <a:r>
+              <a:rPr lang="en-US" dirty="0"/>
+              <a:t>Median = 11</a:t>
+            </a:r>
+          </a:p>
+          <a:p>
+            <a:pPr marL="457200" indent="-457200">
+              <a:buFont typeface="Arial" panose="020B0604020202020204" pitchFamily="34" charset="0"/>
+              <a:buChar char="•"/>
+            </a:pPr>
+            <a:r>
+              <a:rPr lang="en-US" dirty="0"/>
+              <a:t>ID Days where trading volume is above average</a:t>
+            </a:r>
+          </a:p>
+        </p:txBody>
+      </p:sp>
+      <p:sp>
+        <p:nvSpPr>
+          <p:cNvPr id="4" name="Date Placeholder 3">
+            <a:extLst>
+              <a:ext uri="{FF2B5EF4-FFF2-40B4-BE49-F238E27FC236}">
+                <a16:creationId xmlns:a16="http://schemas.microsoft.com/office/drawing/2014/main" id="{6F4AE9CD-A0B4-4149-194F-0E3BFD24DF2F}"/>
+              </a:ext>
+            </a:extLst>
+          </p:cNvPr>
+          <p:cNvSpPr>
+            <a:spLocks noGrp="1"/>
+          </p:cNvSpPr>
+          <p:nvPr>
+            <p:ph type="dt" sz="half" idx="2"/>
+          </p:nvPr>
+        </p:nvSpPr>
+        <p:spPr/>
+        <p:txBody>
+          <a:bodyPr/>
+          <a:lstStyle/>
+          <a:p>
+            <a:fld id="{7E7AB22C-8B7E-9B4A-8C65-396C3C874D86}" type="datetime1">
+              <a:rPr lang="en-US" smtClean="0"/>
+              <a:pPr/>
+              <a:t>12/7/2022</a:t>
+            </a:fld>
+            <a:endParaRPr lang="en-US" dirty="0"/>
+          </a:p>
+        </p:txBody>
+      </p:sp>
+      <p:sp>
+        <p:nvSpPr>
+          <p:cNvPr id="6" name="Slide Number Placeholder 5">
+            <a:extLst>
+              <a:ext uri="{FF2B5EF4-FFF2-40B4-BE49-F238E27FC236}">
+                <a16:creationId xmlns:a16="http://schemas.microsoft.com/office/drawing/2014/main" id="{12E0FE95-B74A-B105-FACE-30031D30E83C}"/>
+              </a:ext>
+            </a:extLst>
+          </p:cNvPr>
+          <p:cNvSpPr>
+            <a:spLocks noGrp="1"/>
+          </p:cNvSpPr>
+          <p:nvPr>
+            <p:ph type="sldNum" sz="quarter" idx="4"/>
+          </p:nvPr>
+        </p:nvSpPr>
+        <p:spPr/>
+        <p:txBody>
+          <a:bodyPr/>
+          <a:lstStyle/>
+          <a:p>
+            <a:fld id="{294A09A9-5501-47C1-A89A-A340965A2BE2}" type="slidenum">
+              <a:rPr lang="en-US" smtClean="0"/>
+              <a:pPr/>
+              <a:t>8</a:t>
+            </a:fld>
+            <a:endParaRPr lang="en-US" dirty="0"/>
+          </a:p>
+        </p:txBody>
+      </p:sp>
+    </p:spTree>
+    <p:extLst>
+      <p:ext uri="{BB962C8B-B14F-4D97-AF65-F5344CB8AC3E}">
+        <p14:creationId xmlns:p14="http://schemas.microsoft.com/office/powerpoint/2010/main" val="4240245711"/>
+      </p:ext>
+    </p:extLst>
+  </p:cSld>
+  <p:clrMapOvr>
+    <a:masterClrMapping/>
+  </p:clrMapOvr>
+</p:sld>
+</file>
+
+<file path=ppt/slides/slide9.xml><?xml version="1.0" encoding="utf-8"?>
+<p:sld xmlns:a="http://schemas.openxmlformats.org/drawingml/2006/main" xmlns:r="http://schemas.openxmlformats.org/officeDocument/2006/relationships" xmlns:p="http://schemas.openxmlformats.org/presentationml/2006/main">
+  <p:cSld>
+    <p:spTree>
+      <p:nvGrpSpPr>
+        <p:cNvPr id="1" name=""/>
+        <p:cNvGrpSpPr/>
+        <p:nvPr/>
+      </p:nvGrpSpPr>
+      <p:grpSpPr>
+        <a:xfrm>
+          <a:off x="0" y="0"/>
+          <a:ext cx="0" cy="0"/>
+          <a:chOff x="0" y="0"/>
+          <a:chExt cx="0" cy="0"/>
+        </a:xfrm>
+      </p:grpSpPr>
+      <p:sp>
+        <p:nvSpPr>
+          <p:cNvPr id="2" name="Title 1">
+            <a:extLst>
+              <a:ext uri="{FF2B5EF4-FFF2-40B4-BE49-F238E27FC236}">
+                <a16:creationId xmlns:a16="http://schemas.microsoft.com/office/drawing/2014/main" id="{57D122FB-5C8D-AAE3-0501-8F93E9E0949D}"/>
+              </a:ext>
+            </a:extLst>
+          </p:cNvPr>
+          <p:cNvSpPr>
+            <a:spLocks noGrp="1"/>
+          </p:cNvSpPr>
+          <p:nvPr>
+            <p:ph type="title"/>
+          </p:nvPr>
+        </p:nvSpPr>
+        <p:spPr/>
+        <p:txBody>
+          <a:bodyPr/>
+          <a:lstStyle/>
+          <a:p>
+            <a:r>
+              <a:rPr lang="en-US" dirty="0"/>
+              <a:t>Plots</a:t>
+            </a:r>
+          </a:p>
+        </p:txBody>
+      </p:sp>
+      <p:sp>
+        <p:nvSpPr>
+          <p:cNvPr id="4" name="Date Placeholder 3">
+            <a:extLst>
+              <a:ext uri="{FF2B5EF4-FFF2-40B4-BE49-F238E27FC236}">
+                <a16:creationId xmlns:a16="http://schemas.microsoft.com/office/drawing/2014/main" id="{E35468ED-99EE-F4DE-0BDA-B0DF46844774}"/>
+              </a:ext>
+            </a:extLst>
+          </p:cNvPr>
+          <p:cNvSpPr>
+            <a:spLocks noGrp="1"/>
+          </p:cNvSpPr>
+          <p:nvPr>
+            <p:ph type="dt" sz="half" idx="2"/>
+          </p:nvPr>
+        </p:nvSpPr>
+        <p:spPr/>
+        <p:txBody>
+          <a:bodyPr/>
+          <a:lstStyle/>
+          <a:p>
+            <a:fld id="{7E7AB22C-8B7E-9B4A-8C65-396C3C874D86}" type="datetime1">
+              <a:rPr lang="en-US" smtClean="0"/>
+              <a:pPr/>
+              <a:t>12/7/2022</a:t>
+            </a:fld>
+            <a:endParaRPr lang="en-US" dirty="0"/>
+          </a:p>
+        </p:txBody>
+      </p:sp>
+      <p:sp>
+        <p:nvSpPr>
+          <p:cNvPr id="6" name="Slide Number Placeholder 5">
+            <a:extLst>
+              <a:ext uri="{FF2B5EF4-FFF2-40B4-BE49-F238E27FC236}">
+                <a16:creationId xmlns:a16="http://schemas.microsoft.com/office/drawing/2014/main" id="{9A9B0BA3-23FE-BB41-0B9C-DD6D788082D8}"/>
+              </a:ext>
+            </a:extLst>
+          </p:cNvPr>
+          <p:cNvSpPr>
+            <a:spLocks noGrp="1"/>
+          </p:cNvSpPr>
+          <p:nvPr>
+            <p:ph type="sldNum" sz="quarter" idx="4"/>
+          </p:nvPr>
+        </p:nvSpPr>
+        <p:spPr/>
+        <p:txBody>
+          <a:bodyPr/>
+          <a:lstStyle/>
+          <a:p>
+            <a:fld id="{294A09A9-5501-47C1-A89A-A340965A2BE2}" type="slidenum">
+              <a:rPr lang="en-US" smtClean="0"/>
+              <a:pPr/>
+              <a:t>9</a:t>
+            </a:fld>
+            <a:endParaRPr lang="en-US" dirty="0"/>
+          </a:p>
+        </p:txBody>
+      </p:sp>
+      <p:pic>
+        <p:nvPicPr>
+          <p:cNvPr id="10" name="Picture 9" descr="A picture containing text, stationary&#10;&#10;Description automatically generated">
+            <a:extLst>
+              <a:ext uri="{FF2B5EF4-FFF2-40B4-BE49-F238E27FC236}">
+                <a16:creationId xmlns:a16="http://schemas.microsoft.com/office/drawing/2014/main" id="{849347C2-5736-1256-91C1-98AC59AF4B41}"/>
+              </a:ext>
+            </a:extLst>
+          </p:cNvPr>
+          <p:cNvPicPr>
+            <a:picLocks noChangeAspect="1"/>
+          </p:cNvPicPr>
+          <p:nvPr/>
+        </p:nvPicPr>
+        <p:blipFill>
+          <a:blip r:embed="rId2"/>
+          <a:stretch>
+            <a:fillRect/>
+          </a:stretch>
+        </p:blipFill>
+        <p:spPr>
+          <a:xfrm>
+            <a:off x="2446059" y="1774740"/>
+            <a:ext cx="7222048" cy="4513432"/>
+          </a:xfrm>
+          <a:prstGeom prst="rect">
+            <a:avLst/>
+          </a:prstGeom>
+        </p:spPr>
+      </p:pic>
+    </p:spTree>
+    <p:extLst>
+      <p:ext uri="{BB962C8B-B14F-4D97-AF65-F5344CB8AC3E}">
+        <p14:creationId xmlns:p14="http://schemas.microsoft.com/office/powerpoint/2010/main" val="2344006244"/>
       </p:ext>
     </p:extLst>
   </p:cSld>
@@ -14403,34 +16825,6 @@
 </file>
 
 <file path=customXml/item1.xml><?xml version="1.0" encoding="utf-8"?>
-<?mso-contentType ?>
-<FormTemplates xmlns="http://schemas.microsoft.com/sharepoint/v3/contenttype/forms">
-  <Display>DocumentLibraryForm</Display>
-  <Edit>DocumentLibraryForm</Edit>
-  <New>DocumentLibraryForm</New>
-</FormTemplates>
-</file>
-
-<file path=customXml/item2.xml><?xml version="1.0" encoding="utf-8"?>
-<p:properties xmlns:p="http://schemas.microsoft.com/office/2006/metadata/properties" xmlns:xsi="http://www.w3.org/2001/XMLSchema-instance" xmlns:pc="http://schemas.microsoft.com/office/infopath/2007/PartnerControls">
-  <documentManagement>
-    <_ip_UnifiedCompliancePolicyUIAction xmlns="http://schemas.microsoft.com/sharepoint/v3" xsi:nil="true"/>
-    <Image xmlns="71af3243-3dd4-4a8d-8c0d-dd76da1f02a5">
-      <Url xsi:nil="true"/>
-      <Description xsi:nil="true"/>
-    </Image>
-    <Status xmlns="71af3243-3dd4-4a8d-8c0d-dd76da1f02a5">Not started</Status>
-    <_ip_UnifiedCompliancePolicyProperties xmlns="http://schemas.microsoft.com/sharepoint/v3" xsi:nil="true"/>
-    <ImageTagsTaxHTField xmlns="71af3243-3dd4-4a8d-8c0d-dd76da1f02a5">
-      <Terms xmlns="http://schemas.microsoft.com/office/infopath/2007/PartnerControls"/>
-    </ImageTagsTaxHTField>
-    <TaxCatchAll xmlns="230e9df3-be65-4c73-a93b-d1236ebd677e"/>
-    <MediaServiceKeyPoints xmlns="71af3243-3dd4-4a8d-8c0d-dd76da1f02a5" xsi:nil="true"/>
-  </documentManagement>
-</p:properties>
-</file>
-
-<file path=customXml/item3.xml><?xml version="1.0" encoding="utf-8"?>
 <ct:contentTypeSchema xmlns:ct="http://schemas.microsoft.com/office/2006/metadata/contentType" xmlns:ma="http://schemas.microsoft.com/office/2006/metadata/properties/metaAttributes" ct:_="" ma:_="" ma:contentTypeName="Document" ma:contentTypeID="0x01010079F111ED35F8CC479449609E8A0923A6" ma:contentTypeVersion="21" ma:contentTypeDescription="Create a new document." ma:contentTypeScope="" ma:versionID="64dfb1555687e0874b4304b796b5b0c7">
   <xsd:schema xmlns:xsd="http://www.w3.org/2001/XMLSchema" xmlns:xs="http://www.w3.org/2001/XMLSchema" xmlns:p="http://schemas.microsoft.com/office/2006/metadata/properties" xmlns:ns1="http://schemas.microsoft.com/sharepoint/v3" xmlns:ns2="71af3243-3dd4-4a8d-8c0d-dd76da1f02a5" xmlns:ns3="16c05727-aa75-4e4a-9b5f-8a80a1165891" xmlns:ns4="230e9df3-be65-4c73-a93b-d1236ebd677e" targetNamespace="http://schemas.microsoft.com/office/2006/metadata/properties" ma:root="true" ma:fieldsID="e6e4c555b5e194d05b7203de9c4567b3" ns1:_="" ns2:_="" ns3:_="" ns4:_="">
     <xsd:import namespace="http://schemas.microsoft.com/sharepoint/v3"/>
@@ -14712,27 +17106,35 @@
 </ct:contentTypeSchema>
 </file>
 
-<file path=customXml/itemProps1.xml><?xml version="1.0" encoding="utf-8"?>
-<ds:datastoreItem xmlns:ds="http://schemas.openxmlformats.org/officeDocument/2006/customXml" ds:itemID="{85334180-0405-413B-834A-44FA9E05ADB7}">
-  <ds:schemaRefs>
-    <ds:schemaRef ds:uri="http://schemas.microsoft.com/sharepoint/v3/contenttype/forms"/>
-  </ds:schemaRefs>
-</ds:datastoreItem>
+<file path=customXml/item2.xml><?xml version="1.0" encoding="utf-8"?>
+<p:properties xmlns:p="http://schemas.microsoft.com/office/2006/metadata/properties" xmlns:xsi="http://www.w3.org/2001/XMLSchema-instance" xmlns:pc="http://schemas.microsoft.com/office/infopath/2007/PartnerControls">
+  <documentManagement>
+    <_ip_UnifiedCompliancePolicyUIAction xmlns="http://schemas.microsoft.com/sharepoint/v3" xsi:nil="true"/>
+    <Image xmlns="71af3243-3dd4-4a8d-8c0d-dd76da1f02a5">
+      <Url xsi:nil="true"/>
+      <Description xsi:nil="true"/>
+    </Image>
+    <Status xmlns="71af3243-3dd4-4a8d-8c0d-dd76da1f02a5">Not started</Status>
+    <_ip_UnifiedCompliancePolicyProperties xmlns="http://schemas.microsoft.com/sharepoint/v3" xsi:nil="true"/>
+    <ImageTagsTaxHTField xmlns="71af3243-3dd4-4a8d-8c0d-dd76da1f02a5">
+      <Terms xmlns="http://schemas.microsoft.com/office/infopath/2007/PartnerControls"/>
+    </ImageTagsTaxHTField>
+    <TaxCatchAll xmlns="230e9df3-be65-4c73-a93b-d1236ebd677e"/>
+    <MediaServiceKeyPoints xmlns="71af3243-3dd4-4a8d-8c0d-dd76da1f02a5" xsi:nil="true"/>
+  </documentManagement>
+</p:properties>
 </file>
 
-<file path=customXml/itemProps2.xml><?xml version="1.0" encoding="utf-8"?>
-<ds:datastoreItem xmlns:ds="http://schemas.openxmlformats.org/officeDocument/2006/customXml" ds:itemID="{4D5BAB77-79E1-4739-AA51-10C9079186D6}">
-  <ds:schemaRefs>
-    <ds:schemaRef ds:uri="http://schemas.microsoft.com/office/2006/metadata/properties"/>
-    <ds:schemaRef ds:uri="http://schemas.microsoft.com/office/infopath/2007/PartnerControls"/>
-    <ds:schemaRef ds:uri="http://schemas.microsoft.com/sharepoint/v3"/>
-    <ds:schemaRef ds:uri="71af3243-3dd4-4a8d-8c0d-dd76da1f02a5"/>
-    <ds:schemaRef ds:uri="230e9df3-be65-4c73-a93b-d1236ebd677e"/>
-  </ds:schemaRefs>
-</ds:datastoreItem>
+<file path=customXml/item3.xml><?xml version="1.0" encoding="utf-8"?>
+<?mso-contentType ?>
+<FormTemplates xmlns="http://schemas.microsoft.com/sharepoint/v3/contenttype/forms">
+  <Display>DocumentLibraryForm</Display>
+  <Edit>DocumentLibraryForm</Edit>
+  <New>DocumentLibraryForm</New>
+</FormTemplates>
 </file>
 
-<file path=customXml/itemProps3.xml><?xml version="1.0" encoding="utf-8"?>
+<file path=customXml/itemProps1.xml><?xml version="1.0" encoding="utf-8"?>
 <ds:datastoreItem xmlns:ds="http://schemas.openxmlformats.org/officeDocument/2006/customXml" ds:itemID="{4A615295-94F6-4CE2-A1B1-6B7E1DAA5AD6}">
   <ds:schemaRefs>
     <ds:schemaRef ds:uri="http://schemas.microsoft.com/office/2006/metadata/contentType"/>
@@ -14753,6 +17155,26 @@
 </ds:datastoreItem>
 </file>
 
+<file path=customXml/itemProps2.xml><?xml version="1.0" encoding="utf-8"?>
+<ds:datastoreItem xmlns:ds="http://schemas.openxmlformats.org/officeDocument/2006/customXml" ds:itemID="{4D5BAB77-79E1-4739-AA51-10C9079186D6}">
+  <ds:schemaRefs>
+    <ds:schemaRef ds:uri="http://schemas.microsoft.com/office/2006/metadata/properties"/>
+    <ds:schemaRef ds:uri="http://schemas.microsoft.com/office/infopath/2007/PartnerControls"/>
+    <ds:schemaRef ds:uri="http://schemas.microsoft.com/sharepoint/v3"/>
+    <ds:schemaRef ds:uri="71af3243-3dd4-4a8d-8c0d-dd76da1f02a5"/>
+    <ds:schemaRef ds:uri="230e9df3-be65-4c73-a93b-d1236ebd677e"/>
+  </ds:schemaRefs>
+</ds:datastoreItem>
+</file>
+
+<file path=customXml/itemProps3.xml><?xml version="1.0" encoding="utf-8"?>
+<ds:datastoreItem xmlns:ds="http://schemas.openxmlformats.org/officeDocument/2006/customXml" ds:itemID="{85334180-0405-413B-834A-44FA9E05ADB7}">
+  <ds:schemaRefs>
+    <ds:schemaRef ds:uri="http://schemas.microsoft.com/sharepoint/v3/contenttype/forms"/>
+  </ds:schemaRefs>
+</ds:datastoreItem>
+</file>
+
 <file path=docMetadata/LabelInfo.xml><?xml version="1.0" encoding="utf-8"?>
 <clbl:labelList xmlns:clbl="http://schemas.microsoft.com/office/2020/mipLabelMetadata">
   <clbl:label id="{f42aa342-8706-4288-bd11-ebb85995028c}" enabled="1" method="Standard" siteId="{72f988bf-86f1-41af-91ab-2d7cd011db47}" removed="0"/>

--- a/Presentation/Stock_Trading_Cabrey.pptx
+++ b/Presentation/Stock_Trading_Cabrey.pptx
@@ -13637,35 +13637,6 @@
       </p:sp>
       <p:sp>
         <p:nvSpPr>
-          <p:cNvPr id="5" name="Footer Placeholder 4">
-            <a:extLst>
-              <a:ext uri="{FF2B5EF4-FFF2-40B4-BE49-F238E27FC236}">
-                <a16:creationId xmlns:a16="http://schemas.microsoft.com/office/drawing/2014/main" id="{B4C76AE5-7326-4DBE-523B-5535833F6A5E}"/>
-              </a:ext>
-            </a:extLst>
-          </p:cNvPr>
-          <p:cNvSpPr>
-            <a:spLocks noGrp="1"/>
-          </p:cNvSpPr>
-          <p:nvPr>
-            <p:ph type="ftr" sz="quarter" idx="3"/>
-          </p:nvPr>
-        </p:nvSpPr>
-        <p:spPr/>
-        <p:txBody>
-          <a:bodyPr/>
-          <a:lstStyle/>
-          <a:p>
-            <a:r>
-              <a:rPr lang="en-US"/>
-              <a:t>PRESENTATION TITLE</a:t>
-            </a:r>
-            <a:endParaRPr lang="en-US" dirty="0"/>
-          </a:p>
-        </p:txBody>
-      </p:sp>
-      <p:sp>
-        <p:nvSpPr>
           <p:cNvPr id="6" name="Slide Number Placeholder 5">
             <a:extLst>
               <a:ext uri="{FF2B5EF4-FFF2-40B4-BE49-F238E27FC236}">
@@ -13898,7 +13869,12 @@
             <p:ph idx="1"/>
           </p:nvPr>
         </p:nvSpPr>
-        <p:spPr/>
+        <p:spPr>
+          <a:xfrm>
+            <a:off x="1167493" y="2087561"/>
+            <a:ext cx="9779182" cy="4268789"/>
+          </a:xfrm>
+        </p:spPr>
         <p:txBody>
           <a:bodyPr/>
           <a:lstStyle/>
@@ -13980,6 +13956,16 @@
             <a:r>
               <a:rPr lang="en-US" dirty="0"/>
               <a:t>See if trends in funds match up with categories / description of what is in the bills that pass the house</a:t>
+            </a:r>
+          </a:p>
+          <a:p>
+            <a:pPr marL="457200" indent="-457200">
+              <a:buFont typeface="Arial" panose="020B0604020202020204" pitchFamily="34" charset="0"/>
+              <a:buChar char="•"/>
+            </a:pPr>
+            <a:r>
+              <a:rPr lang="en-US" dirty="0"/>
+              <a:t>Functions </a:t>
             </a:r>
           </a:p>
           <a:p>
@@ -14017,35 +14003,6 @@
               <a:pPr/>
               <a:t>12/7/2022</a:t>
             </a:fld>
-            <a:endParaRPr lang="en-US" dirty="0"/>
-          </a:p>
-        </p:txBody>
-      </p:sp>
-      <p:sp>
-        <p:nvSpPr>
-          <p:cNvPr id="5" name="Footer Placeholder 4">
-            <a:extLst>
-              <a:ext uri="{FF2B5EF4-FFF2-40B4-BE49-F238E27FC236}">
-                <a16:creationId xmlns:a16="http://schemas.microsoft.com/office/drawing/2014/main" id="{6D2835A8-5D22-B342-749C-5A379A4D66D2}"/>
-              </a:ext>
-            </a:extLst>
-          </p:cNvPr>
-          <p:cNvSpPr>
-            <a:spLocks noGrp="1"/>
-          </p:cNvSpPr>
-          <p:nvPr>
-            <p:ph type="ftr" sz="quarter" idx="3"/>
-          </p:nvPr>
-        </p:nvSpPr>
-        <p:spPr/>
-        <p:txBody>
-          <a:bodyPr/>
-          <a:lstStyle/>
-          <a:p>
-            <a:r>
-              <a:rPr lang="en-US"/>
-              <a:t>PRESENTATION TITLE</a:t>
-            </a:r>
             <a:endParaRPr lang="en-US" dirty="0"/>
           </a:p>
         </p:txBody>
@@ -14229,35 +14186,6 @@
       </p:sp>
       <p:sp>
         <p:nvSpPr>
-          <p:cNvPr id="5" name="Footer Placeholder 4">
-            <a:extLst>
-              <a:ext uri="{FF2B5EF4-FFF2-40B4-BE49-F238E27FC236}">
-                <a16:creationId xmlns:a16="http://schemas.microsoft.com/office/drawing/2014/main" id="{6A6B5BF6-C15B-19B9-E6B3-C26DAED29E3F}"/>
-              </a:ext>
-            </a:extLst>
-          </p:cNvPr>
-          <p:cNvSpPr>
-            <a:spLocks noGrp="1"/>
-          </p:cNvSpPr>
-          <p:nvPr>
-            <p:ph type="ftr" sz="quarter" idx="3"/>
-          </p:nvPr>
-        </p:nvSpPr>
-        <p:spPr/>
-        <p:txBody>
-          <a:bodyPr/>
-          <a:lstStyle/>
-          <a:p>
-            <a:r>
-              <a:rPr lang="en-US"/>
-              <a:t>PRESENTATION TITLE</a:t>
-            </a:r>
-            <a:endParaRPr lang="en-US" dirty="0"/>
-          </a:p>
-        </p:txBody>
-      </p:sp>
-      <p:sp>
-        <p:nvSpPr>
           <p:cNvPr id="6" name="Slide Number Placeholder 5">
             <a:extLst>
               <a:ext uri="{FF2B5EF4-FFF2-40B4-BE49-F238E27FC236}">
@@ -14382,35 +14310,6 @@
       </p:sp>
       <p:sp>
         <p:nvSpPr>
-          <p:cNvPr id="5" name="Footer Placeholder 4">
-            <a:extLst>
-              <a:ext uri="{FF2B5EF4-FFF2-40B4-BE49-F238E27FC236}">
-                <a16:creationId xmlns:a16="http://schemas.microsoft.com/office/drawing/2014/main" id="{6D68FB0F-B1CA-788F-3F2E-2169029C1883}"/>
-              </a:ext>
-            </a:extLst>
-          </p:cNvPr>
-          <p:cNvSpPr>
-            <a:spLocks noGrp="1"/>
-          </p:cNvSpPr>
-          <p:nvPr>
-            <p:ph type="ftr" sz="quarter" idx="3"/>
-          </p:nvPr>
-        </p:nvSpPr>
-        <p:spPr/>
-        <p:txBody>
-          <a:bodyPr/>
-          <a:lstStyle/>
-          <a:p>
-            <a:r>
-              <a:rPr lang="en-US"/>
-              <a:t>PRESENTATION TITLE</a:t>
-            </a:r>
-            <a:endParaRPr lang="en-US" dirty="0"/>
-          </a:p>
-        </p:txBody>
-      </p:sp>
-      <p:sp>
-        <p:nvSpPr>
           <p:cNvPr id="6" name="Slide Number Placeholder 5">
             <a:extLst>
               <a:ext uri="{FF2B5EF4-FFF2-40B4-BE49-F238E27FC236}">
@@ -14820,35 +14719,6 @@
               <a:pPr/>
               <a:t>12/7/2022</a:t>
             </a:fld>
-            <a:endParaRPr lang="en-US" dirty="0"/>
-          </a:p>
-        </p:txBody>
-      </p:sp>
-      <p:sp>
-        <p:nvSpPr>
-          <p:cNvPr id="5" name="Footer Placeholder 4">
-            <a:extLst>
-              <a:ext uri="{FF2B5EF4-FFF2-40B4-BE49-F238E27FC236}">
-                <a16:creationId xmlns:a16="http://schemas.microsoft.com/office/drawing/2014/main" id="{0DCCC167-F4C3-1424-EB66-C84A9E489639}"/>
-              </a:ext>
-            </a:extLst>
-          </p:cNvPr>
-          <p:cNvSpPr>
-            <a:spLocks noGrp="1"/>
-          </p:cNvSpPr>
-          <p:nvPr>
-            <p:ph type="ftr" sz="quarter" idx="3"/>
-          </p:nvPr>
-        </p:nvSpPr>
-        <p:spPr/>
-        <p:txBody>
-          <a:bodyPr/>
-          <a:lstStyle/>
-          <a:p>
-            <a:r>
-              <a:rPr lang="en-US"/>
-              <a:t>PRESENTATION TITLE</a:t>
-            </a:r>
             <a:endParaRPr lang="en-US" dirty="0"/>
           </a:p>
         </p:txBody>
@@ -17107,6 +16977,15 @@
 </file>
 
 <file path=customXml/item2.xml><?xml version="1.0" encoding="utf-8"?>
+<?mso-contentType ?>
+<FormTemplates xmlns="http://schemas.microsoft.com/sharepoint/v3/contenttype/forms">
+  <Display>DocumentLibraryForm</Display>
+  <Edit>DocumentLibraryForm</Edit>
+  <New>DocumentLibraryForm</New>
+</FormTemplates>
+</file>
+
+<file path=customXml/item3.xml><?xml version="1.0" encoding="utf-8"?>
 <p:properties xmlns:p="http://schemas.microsoft.com/office/2006/metadata/properties" xmlns:xsi="http://www.w3.org/2001/XMLSchema-instance" xmlns:pc="http://schemas.microsoft.com/office/infopath/2007/PartnerControls">
   <documentManagement>
     <_ip_UnifiedCompliancePolicyUIAction xmlns="http://schemas.microsoft.com/sharepoint/v3" xsi:nil="true"/>
@@ -17123,15 +17002,6 @@
     <MediaServiceKeyPoints xmlns="71af3243-3dd4-4a8d-8c0d-dd76da1f02a5" xsi:nil="true"/>
   </documentManagement>
 </p:properties>
-</file>
-
-<file path=customXml/item3.xml><?xml version="1.0" encoding="utf-8"?>
-<?mso-contentType ?>
-<FormTemplates xmlns="http://schemas.microsoft.com/sharepoint/v3/contenttype/forms">
-  <Display>DocumentLibraryForm</Display>
-  <Edit>DocumentLibraryForm</Edit>
-  <New>DocumentLibraryForm</New>
-</FormTemplates>
 </file>
 
 <file path=customXml/itemProps1.xml><?xml version="1.0" encoding="utf-8"?>
@@ -17156,6 +17026,14 @@
 </file>
 
 <file path=customXml/itemProps2.xml><?xml version="1.0" encoding="utf-8"?>
+<ds:datastoreItem xmlns:ds="http://schemas.openxmlformats.org/officeDocument/2006/customXml" ds:itemID="{85334180-0405-413B-834A-44FA9E05ADB7}">
+  <ds:schemaRefs>
+    <ds:schemaRef ds:uri="http://schemas.microsoft.com/sharepoint/v3/contenttype/forms"/>
+  </ds:schemaRefs>
+</ds:datastoreItem>
+</file>
+
+<file path=customXml/itemProps3.xml><?xml version="1.0" encoding="utf-8"?>
 <ds:datastoreItem xmlns:ds="http://schemas.openxmlformats.org/officeDocument/2006/customXml" ds:itemID="{4D5BAB77-79E1-4739-AA51-10C9079186D6}">
   <ds:schemaRefs>
     <ds:schemaRef ds:uri="http://schemas.microsoft.com/office/2006/metadata/properties"/>
@@ -17167,14 +17045,6 @@
 </ds:datastoreItem>
 </file>
 
-<file path=customXml/itemProps3.xml><?xml version="1.0" encoding="utf-8"?>
-<ds:datastoreItem xmlns:ds="http://schemas.openxmlformats.org/officeDocument/2006/customXml" ds:itemID="{85334180-0405-413B-834A-44FA9E05ADB7}">
-  <ds:schemaRefs>
-    <ds:schemaRef ds:uri="http://schemas.microsoft.com/sharepoint/v3/contenttype/forms"/>
-  </ds:schemaRefs>
-</ds:datastoreItem>
-</file>
-
 <file path=docMetadata/LabelInfo.xml><?xml version="1.0" encoding="utf-8"?>
 <clbl:labelList xmlns:clbl="http://schemas.microsoft.com/office/2020/mipLabelMetadata">
   <clbl:label id="{f42aa342-8706-4288-bd11-ebb85995028c}" enabled="1" method="Standard" siteId="{72f988bf-86f1-41af-91ab-2d7cd011db47}" removed="0"/>

--- a/Presentation/Stock_Trading_Cabrey.pptx
+++ b/Presentation/Stock_Trading_Cabrey.pptx
@@ -13011,7 +13011,7 @@
           <a:p>
             <a:r>
               <a:rPr lang="en-US" dirty="0"/>
-              <a:t>Plots</a:t>
+              <a:t>Plots - 2019</a:t>
             </a:r>
           </a:p>
         </p:txBody>
@@ -13158,7 +13158,7 @@
           <a:p>
             <a:r>
               <a:rPr lang="en-US" dirty="0"/>
-              <a:t>Plots</a:t>
+              <a:t>Plots - 2020</a:t>
             </a:r>
           </a:p>
         </p:txBody>
@@ -13306,7 +13306,7 @@
           <a:p>
             <a:r>
               <a:rPr lang="en-US" dirty="0"/>
-              <a:t>Plots</a:t>
+              <a:t>Plots - 2021</a:t>
             </a:r>
           </a:p>
         </p:txBody>
@@ -13453,7 +13453,7 @@
           <a:p>
             <a:r>
               <a:rPr lang="en-US" dirty="0"/>
-              <a:t>Plots</a:t>
+              <a:t>Plots - 2022</a:t>
             </a:r>
           </a:p>
         </p:txBody>
@@ -13600,7 +13600,7 @@
           <a:p>
             <a:r>
               <a:rPr lang="en-US" dirty="0"/>
-              <a:t>Plots</a:t>
+              <a:t>Plots – 30 Days to Bill Passage</a:t>
             </a:r>
           </a:p>
         </p:txBody>
@@ -14846,30 +14846,34 @@
           <a:p>
             <a:r>
               <a:rPr lang="en-US" b="0" i="0" dirty="0">
-                <a:solidFill>
-                  <a:schemeClr val="tx1"/>
-                </a:solidFill>
                 <a:effectLst/>
                 <a:latin typeface="Montserrat" panose="00000500000000000000" pitchFamily="2" charset="0"/>
               </a:rPr>
-              <a:t>“Speaker of the House Nancy Pelosi and venture capitalist husband Paul Pelosi beat the stock market by 5 percent in 2019 and by 14% in 2020. Based on the stocks purchased and disclosed from 2019 through Q4 2021, her portfolio grew 96% over that time, gaining $62 million in value. And that’s not including the $2.8 million made from options trading.”</a:t>
+              <a:t>“Speaker of the House Nancy Pelosi and venture capitalist husband Paul Pelosi beat the stock market by 5 percent in 2019 and by 14% in 2020. Based on the stocks purchased and disclosed from 2019 through Q4 2021, </a:t>
+            </a:r>
+            <a:r>
+              <a:rPr lang="en-US" b="1" i="0" u="sng" dirty="0">
+                <a:effectLst/>
+                <a:latin typeface="Montserrat" panose="00000500000000000000" pitchFamily="2" charset="0"/>
+              </a:rPr>
+              <a:t>her portfolio grew 96% over that time, gaining $62 million in value. </a:t>
+            </a:r>
+            <a:r>
+              <a:rPr lang="en-US" b="0" i="0" dirty="0">
+                <a:effectLst/>
+                <a:latin typeface="Montserrat" panose="00000500000000000000" pitchFamily="2" charset="0"/>
+              </a:rPr>
+              <a:t>And that’s not including the $2.8 million made from options trading.”</a:t>
             </a:r>
           </a:p>
           <a:p>
             <a:r>
               <a:rPr lang="en-US" dirty="0">
-                <a:solidFill>
-                  <a:schemeClr val="tx1"/>
-                </a:solidFill>
                 <a:latin typeface="Montserrat" panose="00000500000000000000" pitchFamily="2" charset="0"/>
               </a:rPr>
               <a:t>-Emilee Klein &amp; Tiffany Zheng (07JAN22, fineprintdata.com)</a:t>
             </a:r>
-            <a:endParaRPr lang="en-US" dirty="0">
-              <a:solidFill>
-                <a:schemeClr val="tx1"/>
-              </a:solidFill>
-            </a:endParaRPr>
+            <a:endParaRPr lang="en-US" dirty="0"/>
           </a:p>
         </p:txBody>
       </p:sp>
@@ -14997,63 +15001,44 @@
         </p:spPr>
         <p:txBody>
           <a:bodyPr vert="horz" lIns="91440" tIns="45720" rIns="91440" bIns="45720" rtlCol="0" anchor="t">
-            <a:normAutofit fontScale="62500" lnSpcReduction="20000"/>
+            <a:normAutofit fontScale="92500"/>
           </a:bodyPr>
           <a:lstStyle/>
           <a:p>
             <a:r>
-              <a:rPr lang="en-US" b="0" i="0" dirty="0">
-                <a:solidFill>
-                  <a:srgbClr val="353535"/>
-                </a:solidFill>
+              <a:rPr lang="en-US" sz="1600" b="0" i="0" dirty="0">
                 <a:effectLst/>
                 <a:latin typeface="Helvetica Neue"/>
               </a:rPr>
-              <a:t>“Senate Intelligence Committee Chairman Richard Burr (R-N.C.), for example, co-authored an op-ed on February 7, 2020 in which he publicly reassured the American people that “the United States today is better prepared than ever before to face emerging public health threats, like the coronavirus.” At a private luncheon around that same time, however, Senator Burr warned attendees that the coronavirus “is much more aggressive in transmission than anything that we have seen in recent history . . . . It is probably more akin to the 1918 pandemic.”</a:t>
-            </a:r>
-            <a:r>
-              <a:rPr lang="en-US" b="0" i="0" dirty="0">
-                <a:solidFill>
-                  <a:srgbClr val="C69E23"/>
-                </a:solidFill>
+              <a:t>“Senate Intelligence Committee Chairman Richard Burr (R-N.C.), for example, co-authored an op-ed on February 7, 2020 in which he publicly reassured the American people that “the United States today is better prepared than ever before to face emerging public health threats, like the coronavirus.” At a private luncheon around that same time, however, Senator Burr warned attendees that the coronavirus “is much more aggressive in transmission than anything that we have seen in recent history . . . . It is probably more akin to the 1918 pandemic.”  Acting on the beliefs expressed privately, </a:t>
+            </a:r>
+            <a:r>
+              <a:rPr lang="en-US" sz="1600" b="1" i="0" u="sng" dirty="0">
                 <a:effectLst/>
                 <a:latin typeface="Helvetica Neue"/>
               </a:rPr>
-              <a:t> </a:t>
-            </a:r>
-            <a:r>
-              <a:rPr lang="en-US" b="0" i="0" dirty="0">
-                <a:solidFill>
-                  <a:srgbClr val="353535"/>
-                </a:solidFill>
+              <a:t>the Senator picked up between $628,000 and $1.72 million in cash by dumping a large share of his personal holdings on February 13, the week before financial markets began to tank in response to worsening news about the spread of COVID-19.</a:t>
+            </a:r>
+            <a:r>
+              <a:rPr lang="en-US" sz="1600" b="0" i="0" dirty="0">
                 <a:effectLst/>
                 <a:latin typeface="Helvetica Neue"/>
               </a:rPr>
-              <a:t> Acting on the beliefs expressed privately, the Senator picked up between $628,000 and $1.72 million in cash by dumping a large share of his personal holdings on February 13, the week before financial markets began to tank in response to worsening news about the spread of COVID-19.”</a:t>
-            </a:r>
-            <a:endParaRPr lang="en-US" b="0" i="0" u="none" strike="noStrike" dirty="0">
-              <a:solidFill>
-                <a:srgbClr val="C69E23"/>
-              </a:solidFill>
+              <a:t>”</a:t>
+            </a:r>
+            <a:endParaRPr lang="en-US" sz="1600" b="0" i="0" u="none" strike="noStrike" dirty="0">
               <a:effectLst/>
               <a:latin typeface="Helvetica Neue"/>
             </a:endParaRPr>
           </a:p>
           <a:p>
             <a:r>
-              <a:rPr lang="en-US" dirty="0">
-                <a:solidFill>
-                  <a:schemeClr val="tx1"/>
-                </a:solidFill>
+              <a:rPr lang="en-US" sz="1600" dirty="0">
                 <a:latin typeface="Montserrat" panose="00000500000000000000" pitchFamily="2" charset="0"/>
               </a:rPr>
               <a:t>-Jacob Winton, (Wake Forest Law Review 21APR21)</a:t>
             </a:r>
-            <a:endParaRPr lang="en-US" dirty="0">
-              <a:solidFill>
-                <a:schemeClr val="tx1"/>
-              </a:solidFill>
-            </a:endParaRPr>
+            <a:endParaRPr lang="en-US" sz="1600" dirty="0"/>
           </a:p>
         </p:txBody>
       </p:sp>
@@ -16977,15 +16962,6 @@
 </file>
 
 <file path=customXml/item2.xml><?xml version="1.0" encoding="utf-8"?>
-<?mso-contentType ?>
-<FormTemplates xmlns="http://schemas.microsoft.com/sharepoint/v3/contenttype/forms">
-  <Display>DocumentLibraryForm</Display>
-  <Edit>DocumentLibraryForm</Edit>
-  <New>DocumentLibraryForm</New>
-</FormTemplates>
-</file>
-
-<file path=customXml/item3.xml><?xml version="1.0" encoding="utf-8"?>
 <p:properties xmlns:p="http://schemas.microsoft.com/office/2006/metadata/properties" xmlns:xsi="http://www.w3.org/2001/XMLSchema-instance" xmlns:pc="http://schemas.microsoft.com/office/infopath/2007/PartnerControls">
   <documentManagement>
     <_ip_UnifiedCompliancePolicyUIAction xmlns="http://schemas.microsoft.com/sharepoint/v3" xsi:nil="true"/>
@@ -17002,6 +16978,15 @@
     <MediaServiceKeyPoints xmlns="71af3243-3dd4-4a8d-8c0d-dd76da1f02a5" xsi:nil="true"/>
   </documentManagement>
 </p:properties>
+</file>
+
+<file path=customXml/item3.xml><?xml version="1.0" encoding="utf-8"?>
+<?mso-contentType ?>
+<FormTemplates xmlns="http://schemas.microsoft.com/sharepoint/v3/contenttype/forms">
+  <Display>DocumentLibraryForm</Display>
+  <Edit>DocumentLibraryForm</Edit>
+  <New>DocumentLibraryForm</New>
+</FormTemplates>
 </file>
 
 <file path=customXml/itemProps1.xml><?xml version="1.0" encoding="utf-8"?>
@@ -17026,14 +17011,6 @@
 </file>
 
 <file path=customXml/itemProps2.xml><?xml version="1.0" encoding="utf-8"?>
-<ds:datastoreItem xmlns:ds="http://schemas.openxmlformats.org/officeDocument/2006/customXml" ds:itemID="{85334180-0405-413B-834A-44FA9E05ADB7}">
-  <ds:schemaRefs>
-    <ds:schemaRef ds:uri="http://schemas.microsoft.com/sharepoint/v3/contenttype/forms"/>
-  </ds:schemaRefs>
-</ds:datastoreItem>
-</file>
-
-<file path=customXml/itemProps3.xml><?xml version="1.0" encoding="utf-8"?>
 <ds:datastoreItem xmlns:ds="http://schemas.openxmlformats.org/officeDocument/2006/customXml" ds:itemID="{4D5BAB77-79E1-4739-AA51-10C9079186D6}">
   <ds:schemaRefs>
     <ds:schemaRef ds:uri="http://schemas.microsoft.com/office/2006/metadata/properties"/>
@@ -17045,6 +17022,14 @@
 </ds:datastoreItem>
 </file>
 
+<file path=customXml/itemProps3.xml><?xml version="1.0" encoding="utf-8"?>
+<ds:datastoreItem xmlns:ds="http://schemas.openxmlformats.org/officeDocument/2006/customXml" ds:itemID="{85334180-0405-413B-834A-44FA9E05ADB7}">
+  <ds:schemaRefs>
+    <ds:schemaRef ds:uri="http://schemas.microsoft.com/sharepoint/v3/contenttype/forms"/>
+  </ds:schemaRefs>
+</ds:datastoreItem>
+</file>
+
 <file path=docMetadata/LabelInfo.xml><?xml version="1.0" encoding="utf-8"?>
 <clbl:labelList xmlns:clbl="http://schemas.microsoft.com/office/2020/mipLabelMetadata">
   <clbl:label id="{f42aa342-8706-4288-bd11-ebb85995028c}" enabled="1" method="Standard" siteId="{72f988bf-86f1-41af-91ab-2d7cd011db47}" removed="0"/>

--- a/Presentation/Stock_Trading_Cabrey.pptx
+++ b/Presentation/Stock_Trading_Cabrey.pptx
@@ -15406,7 +15406,7 @@
           <a:p>
             <a:r>
               <a:rPr lang="en-US" dirty="0"/>
-              <a:t>What is the relationship between stock trading / portfolio performance in House of Representatives leading up to Bill Passage Votes?</a:t>
+              <a:t>What is the relationship between stock trading / portfolio performance in the House of Representatives leading up to Bill Passage Votes?</a:t>
             </a:r>
           </a:p>
         </p:txBody>
@@ -16962,6 +16962,15 @@
 </file>
 
 <file path=customXml/item2.xml><?xml version="1.0" encoding="utf-8"?>
+<?mso-contentType ?>
+<FormTemplates xmlns="http://schemas.microsoft.com/sharepoint/v3/contenttype/forms">
+  <Display>DocumentLibraryForm</Display>
+  <Edit>DocumentLibraryForm</Edit>
+  <New>DocumentLibraryForm</New>
+</FormTemplates>
+</file>
+
+<file path=customXml/item3.xml><?xml version="1.0" encoding="utf-8"?>
 <p:properties xmlns:p="http://schemas.microsoft.com/office/2006/metadata/properties" xmlns:xsi="http://www.w3.org/2001/XMLSchema-instance" xmlns:pc="http://schemas.microsoft.com/office/infopath/2007/PartnerControls">
   <documentManagement>
     <_ip_UnifiedCompliancePolicyUIAction xmlns="http://schemas.microsoft.com/sharepoint/v3" xsi:nil="true"/>
@@ -16978,15 +16987,6 @@
     <MediaServiceKeyPoints xmlns="71af3243-3dd4-4a8d-8c0d-dd76da1f02a5" xsi:nil="true"/>
   </documentManagement>
 </p:properties>
-</file>
-
-<file path=customXml/item3.xml><?xml version="1.0" encoding="utf-8"?>
-<?mso-contentType ?>
-<FormTemplates xmlns="http://schemas.microsoft.com/sharepoint/v3/contenttype/forms">
-  <Display>DocumentLibraryForm</Display>
-  <Edit>DocumentLibraryForm</Edit>
-  <New>DocumentLibraryForm</New>
-</FormTemplates>
 </file>
 
 <file path=customXml/itemProps1.xml><?xml version="1.0" encoding="utf-8"?>
@@ -17011,6 +17011,14 @@
 </file>
 
 <file path=customXml/itemProps2.xml><?xml version="1.0" encoding="utf-8"?>
+<ds:datastoreItem xmlns:ds="http://schemas.openxmlformats.org/officeDocument/2006/customXml" ds:itemID="{85334180-0405-413B-834A-44FA9E05ADB7}">
+  <ds:schemaRefs>
+    <ds:schemaRef ds:uri="http://schemas.microsoft.com/sharepoint/v3/contenttype/forms"/>
+  </ds:schemaRefs>
+</ds:datastoreItem>
+</file>
+
+<file path=customXml/itemProps3.xml><?xml version="1.0" encoding="utf-8"?>
 <ds:datastoreItem xmlns:ds="http://schemas.openxmlformats.org/officeDocument/2006/customXml" ds:itemID="{4D5BAB77-79E1-4739-AA51-10C9079186D6}">
   <ds:schemaRefs>
     <ds:schemaRef ds:uri="http://schemas.microsoft.com/office/2006/metadata/properties"/>
@@ -17022,14 +17030,6 @@
 </ds:datastoreItem>
 </file>
 
-<file path=customXml/itemProps3.xml><?xml version="1.0" encoding="utf-8"?>
-<ds:datastoreItem xmlns:ds="http://schemas.openxmlformats.org/officeDocument/2006/customXml" ds:itemID="{85334180-0405-413B-834A-44FA9E05ADB7}">
-  <ds:schemaRefs>
-    <ds:schemaRef ds:uri="http://schemas.microsoft.com/sharepoint/v3/contenttype/forms"/>
-  </ds:schemaRefs>
-</ds:datastoreItem>
-</file>
-
 <file path=docMetadata/LabelInfo.xml><?xml version="1.0" encoding="utf-8"?>
 <clbl:labelList xmlns:clbl="http://schemas.microsoft.com/office/2020/mipLabelMetadata">
   <clbl:label id="{f42aa342-8706-4288-bd11-ebb85995028c}" enabled="1" method="Standard" siteId="{72f988bf-86f1-41af-91ab-2d7cd011db47}" removed="0"/>
